--- a/docs/InvestSystemsOrg.pptx
+++ b/docs/InvestSystemsOrg.pptx
@@ -104,6 +104,11 @@
       </a:defRPr>
     </a:lvl9pPr>
   </p:defaultTextStyle>
+  <p:extLst>
+    <p:ext uri="{EFAFB233-063F-42B5-8137-9DF3F51BA10A}">
+      <p15:sldGuideLst xmlns:p15="http://schemas.microsoft.com/office/powerpoint/2012/main"/>
+    </p:ext>
+  </p:extLst>
 </p:presentation>
 </file>
 
@@ -238,7 +243,7 @@
           <a:p>
             <a:fld id="{4956C5F3-FED6-4EA7-8423-0E71ED8D7A27}" type="datetimeFigureOut">
               <a:rPr lang="en-US" smtClean="0"/>
-              <a:t>8/26/2016</a:t>
+              <a:t>8/27/2016</a:t>
             </a:fld>
             <a:endParaRPr lang="en-US"/>
           </a:p>
@@ -408,7 +413,7 @@
           <a:p>
             <a:fld id="{4956C5F3-FED6-4EA7-8423-0E71ED8D7A27}" type="datetimeFigureOut">
               <a:rPr lang="en-US" smtClean="0"/>
-              <a:t>8/26/2016</a:t>
+              <a:t>8/27/2016</a:t>
             </a:fld>
             <a:endParaRPr lang="en-US"/>
           </a:p>
@@ -588,7 +593,7 @@
           <a:p>
             <a:fld id="{4956C5F3-FED6-4EA7-8423-0E71ED8D7A27}" type="datetimeFigureOut">
               <a:rPr lang="en-US" smtClean="0"/>
-              <a:t>8/26/2016</a:t>
+              <a:t>8/27/2016</a:t>
             </a:fld>
             <a:endParaRPr lang="en-US"/>
           </a:p>
@@ -758,7 +763,7 @@
           <a:p>
             <a:fld id="{4956C5F3-FED6-4EA7-8423-0E71ED8D7A27}" type="datetimeFigureOut">
               <a:rPr lang="en-US" smtClean="0"/>
-              <a:t>8/26/2016</a:t>
+              <a:t>8/27/2016</a:t>
             </a:fld>
             <a:endParaRPr lang="en-US"/>
           </a:p>
@@ -1004,7 +1009,7 @@
           <a:p>
             <a:fld id="{4956C5F3-FED6-4EA7-8423-0E71ED8D7A27}" type="datetimeFigureOut">
               <a:rPr lang="en-US" smtClean="0"/>
-              <a:t>8/26/2016</a:t>
+              <a:t>8/27/2016</a:t>
             </a:fld>
             <a:endParaRPr lang="en-US"/>
           </a:p>
@@ -1236,7 +1241,7 @@
           <a:p>
             <a:fld id="{4956C5F3-FED6-4EA7-8423-0E71ED8D7A27}" type="datetimeFigureOut">
               <a:rPr lang="en-US" smtClean="0"/>
-              <a:t>8/26/2016</a:t>
+              <a:t>8/27/2016</a:t>
             </a:fld>
             <a:endParaRPr lang="en-US"/>
           </a:p>
@@ -1603,7 +1608,7 @@
           <a:p>
             <a:fld id="{4956C5F3-FED6-4EA7-8423-0E71ED8D7A27}" type="datetimeFigureOut">
               <a:rPr lang="en-US" smtClean="0"/>
-              <a:t>8/26/2016</a:t>
+              <a:t>8/27/2016</a:t>
             </a:fld>
             <a:endParaRPr lang="en-US"/>
           </a:p>
@@ -1721,7 +1726,7 @@
           <a:p>
             <a:fld id="{4956C5F3-FED6-4EA7-8423-0E71ED8D7A27}" type="datetimeFigureOut">
               <a:rPr lang="en-US" smtClean="0"/>
-              <a:t>8/26/2016</a:t>
+              <a:t>8/27/2016</a:t>
             </a:fld>
             <a:endParaRPr lang="en-US"/>
           </a:p>
@@ -1816,7 +1821,7 @@
           <a:p>
             <a:fld id="{4956C5F3-FED6-4EA7-8423-0E71ED8D7A27}" type="datetimeFigureOut">
               <a:rPr lang="en-US" smtClean="0"/>
-              <a:t>8/26/2016</a:t>
+              <a:t>8/27/2016</a:t>
             </a:fld>
             <a:endParaRPr lang="en-US"/>
           </a:p>
@@ -2093,7 +2098,7 @@
           <a:p>
             <a:fld id="{4956C5F3-FED6-4EA7-8423-0E71ED8D7A27}" type="datetimeFigureOut">
               <a:rPr lang="en-US" smtClean="0"/>
-              <a:t>8/26/2016</a:t>
+              <a:t>8/27/2016</a:t>
             </a:fld>
             <a:endParaRPr lang="en-US"/>
           </a:p>
@@ -2346,7 +2351,7 @@
           <a:p>
             <a:fld id="{4956C5F3-FED6-4EA7-8423-0E71ED8D7A27}" type="datetimeFigureOut">
               <a:rPr lang="en-US" smtClean="0"/>
-              <a:t>8/26/2016</a:t>
+              <a:t>8/27/2016</a:t>
             </a:fld>
             <a:endParaRPr lang="en-US"/>
           </a:p>
@@ -2559,7 +2564,7 @@
           <a:p>
             <a:fld id="{4956C5F3-FED6-4EA7-8423-0E71ED8D7A27}" type="datetimeFigureOut">
               <a:rPr lang="en-US" smtClean="0"/>
-              <a:t>8/26/2016</a:t>
+              <a:t>8/27/2016</a:t>
             </a:fld>
             <a:endParaRPr lang="en-US"/>
           </a:p>
@@ -2972,7 +2977,7 @@
         </p:nvSpPr>
         <p:spPr bwMode="auto">
           <a:xfrm>
-            <a:off x="5965997" y="116495"/>
+            <a:off x="8447041" y="132538"/>
             <a:ext cx="1636776" cy="1389888"/>
           </a:xfrm>
           <a:prstGeom prst="hexagon">
@@ -3066,8 +3071,23 @@
                 <a:ea typeface="Segoe UI" pitchFamily="34" charset="0"/>
                 <a:cs typeface="Segoe UI" pitchFamily="34" charset="0"/>
               </a:rPr>
-              <a:t>Companies</a:t>
-            </a:r>
+              <a:t>Rule #1</a:t>
+            </a:r>
+            <a:endParaRPr lang="pl-PL" sz="1100" b="1" dirty="0" smtClean="0">
+              <a:gradFill>
+                <a:gsLst>
+                  <a:gs pos="0">
+                    <a:srgbClr val="FFFFFF"/>
+                  </a:gs>
+                  <a:gs pos="100000">
+                    <a:srgbClr val="FFFFFF"/>
+                  </a:gs>
+                </a:gsLst>
+                <a:lin ang="5400000" scaled="0"/>
+              </a:gradFill>
+              <a:ea typeface="Segoe UI" pitchFamily="34" charset="0"/>
+              <a:cs typeface="Segoe UI" pitchFamily="34" charset="0"/>
+            </a:endParaRPr>
           </a:p>
           <a:p>
             <a:pPr algn="ctr" defTabSz="932472" fontAlgn="base">
@@ -3125,8 +3145,8 @@
         </p:nvSpPr>
         <p:spPr>
           <a:xfrm>
-            <a:off x="5652862" y="527975"/>
-            <a:ext cx="649224" cy="566928"/>
+            <a:off x="8133906" y="544018"/>
+            <a:ext cx="758952" cy="566928"/>
           </a:xfrm>
           <a:prstGeom prst="rect">
             <a:avLst/>
@@ -3154,17 +3174,24 @@
           <a:p>
             <a:pPr algn="ctr"/>
             <a:r>
-              <a:rPr lang="pl-PL" sz="1000" dirty="0" smtClean="0"/>
+              <a:rPr lang="pl-PL" sz="900" dirty="0"/>
               <a:t>REST</a:t>
             </a:r>
           </a:p>
           <a:p>
             <a:pPr algn="ctr"/>
             <a:r>
-              <a:rPr lang="pl-PL" sz="1000" dirty="0" smtClean="0"/>
-              <a:t>API</a:t>
-            </a:r>
-            <a:endParaRPr lang="en-US" sz="1000" dirty="0"/>
+              <a:rPr lang="pl-PL" sz="900" dirty="0"/>
+              <a:t>AMQP</a:t>
+            </a:r>
+          </a:p>
+          <a:p>
+            <a:pPr algn="ctr"/>
+            <a:r>
+              <a:rPr lang="pl-PL" sz="900" dirty="0"/>
+              <a:t>WebSockets</a:t>
+            </a:r>
+            <a:endParaRPr lang="en-US" sz="900" dirty="0"/>
           </a:p>
         </p:txBody>
       </p:sp>
@@ -3176,7 +3203,7 @@
         </p:nvSpPr>
         <p:spPr bwMode="auto">
           <a:xfrm>
-            <a:off x="3681798" y="2722706"/>
+            <a:off x="3128346" y="2673989"/>
             <a:ext cx="1638032" cy="1387972"/>
           </a:xfrm>
           <a:prstGeom prst="hexagon">
@@ -3277,6 +3304,65 @@
               </a:rPr>
               <a:t>Gateway</a:t>
             </a:r>
+          </a:p>
+          <a:p>
+            <a:pPr algn="ctr" defTabSz="932472" fontAlgn="base">
+              <a:lnSpc>
+                <a:spcPct val="90000"/>
+              </a:lnSpc>
+              <a:spcBef>
+                <a:spcPct val="0"/>
+              </a:spcBef>
+              <a:spcAft>
+                <a:spcPct val="0"/>
+              </a:spcAft>
+            </a:pPr>
+            <a:r>
+              <a:rPr lang="pl-PL" sz="800" b="1" dirty="0">
+                <a:gradFill>
+                  <a:gsLst>
+                    <a:gs pos="0">
+                      <a:srgbClr val="FFFFFF"/>
+                    </a:gs>
+                    <a:gs pos="100000">
+                      <a:srgbClr val="FFFFFF"/>
+                    </a:gs>
+                  </a:gsLst>
+                  <a:lin ang="5400000" scaled="0"/>
+                </a:gradFill>
+                <a:ea typeface="Segoe UI" pitchFamily="34" charset="0"/>
+                <a:cs typeface="Segoe UI" pitchFamily="34" charset="0"/>
+              </a:rPr>
+              <a:t>Microservice</a:t>
+            </a:r>
+            <a:endParaRPr lang="en-US" sz="800" dirty="0">
+              <a:gradFill>
+                <a:gsLst>
+                  <a:gs pos="0">
+                    <a:srgbClr val="FFFFFF"/>
+                  </a:gs>
+                  <a:gs pos="100000">
+                    <a:srgbClr val="FFFFFF"/>
+                  </a:gs>
+                </a:gsLst>
+                <a:lin ang="5400000" scaled="0"/>
+              </a:gradFill>
+              <a:ea typeface="Segoe UI" pitchFamily="34" charset="0"/>
+              <a:cs typeface="Segoe UI" pitchFamily="34" charset="0"/>
+            </a:endParaRPr>
+          </a:p>
+          <a:p>
+            <a:pPr algn="ctr" defTabSz="932472" fontAlgn="base">
+              <a:lnSpc>
+                <a:spcPct val="90000"/>
+              </a:lnSpc>
+              <a:spcBef>
+                <a:spcPct val="0"/>
+              </a:spcBef>
+              <a:spcAft>
+                <a:spcPct val="0"/>
+              </a:spcAft>
+            </a:pPr>
             <a:endParaRPr lang="en-US" sz="1100" dirty="0" smtClean="0">
               <a:gradFill>
                 <a:gsLst>
@@ -3303,8 +3389,8 @@
         </p:nvSpPr>
         <p:spPr>
           <a:xfrm>
-            <a:off x="3402679" y="3142531"/>
-            <a:ext cx="651238" cy="566578"/>
+            <a:off x="2849227" y="3093814"/>
+            <a:ext cx="758952" cy="566928"/>
           </a:xfrm>
           <a:prstGeom prst="rect">
             <a:avLst/>
@@ -3332,17 +3418,17 @@
           <a:p>
             <a:pPr algn="ctr"/>
             <a:r>
-              <a:rPr lang="pl-PL" sz="1000" dirty="0" smtClean="0"/>
+              <a:rPr lang="pl-PL" sz="900" dirty="0" smtClean="0"/>
               <a:t>GraphQL</a:t>
             </a:r>
           </a:p>
           <a:p>
             <a:pPr algn="ctr"/>
             <a:r>
-              <a:rPr lang="pl-PL" sz="1000" dirty="0" smtClean="0"/>
-              <a:t>API</a:t>
-            </a:r>
-            <a:endParaRPr lang="en-US" sz="1000" dirty="0"/>
+              <a:rPr lang="pl-PL" sz="900" dirty="0" smtClean="0"/>
+              <a:t>WebSockets</a:t>
+            </a:r>
+            <a:endParaRPr lang="en-US" sz="900" dirty="0"/>
           </a:p>
         </p:txBody>
       </p:sp>
@@ -3368,7 +3454,7 @@
         </p:blipFill>
         <p:spPr>
           <a:xfrm>
-            <a:off x="4338131" y="3526690"/>
+            <a:off x="3590410" y="3598921"/>
             <a:ext cx="325366" cy="364838"/>
           </a:xfrm>
           <a:prstGeom prst="rect">
@@ -3384,7 +3470,7 @@
         </p:nvSpPr>
         <p:spPr>
           <a:xfrm>
-            <a:off x="1680905" y="2029215"/>
+            <a:off x="1127453" y="1980498"/>
             <a:ext cx="1150246" cy="1113316"/>
           </a:xfrm>
           <a:prstGeom prst="rect">
@@ -3439,7 +3525,7 @@
         </p:nvSpPr>
         <p:spPr>
           <a:xfrm>
-            <a:off x="1680905" y="3709109"/>
+            <a:off x="1127453" y="3660392"/>
             <a:ext cx="1152144" cy="1115568"/>
           </a:xfrm>
           <a:prstGeom prst="rect">
@@ -3508,7 +3594,7 @@
         </p:blipFill>
         <p:spPr>
           <a:xfrm>
-            <a:off x="2097160" y="4418831"/>
+            <a:off x="1543708" y="4370114"/>
             <a:ext cx="319634" cy="319634"/>
           </a:xfrm>
           <a:prstGeom prst="rect">
@@ -3527,8 +3613,8 @@
         </p:nvCxnSpPr>
         <p:spPr>
           <a:xfrm flipV="1">
-            <a:off x="2833049" y="3425820"/>
-            <a:ext cx="569630" cy="841073"/>
+            <a:off x="2279597" y="3377278"/>
+            <a:ext cx="569630" cy="840898"/>
           </a:xfrm>
           <a:prstGeom prst="line">
             <a:avLst/>
@@ -3560,8 +3646,8 @@
         </p:nvCxnSpPr>
         <p:spPr>
           <a:xfrm>
-            <a:off x="2831151" y="2585873"/>
-            <a:ext cx="571528" cy="839947"/>
+            <a:off x="2277699" y="2537156"/>
+            <a:ext cx="571528" cy="840122"/>
           </a:xfrm>
           <a:prstGeom prst="line">
             <a:avLst/>
@@ -3586,15 +3672,15 @@
         <p:nvCxnSpPr>
           <p:cNvPr id="22" name="Straight Connector 21"/>
           <p:cNvCxnSpPr>
-            <a:stCxn id="9" idx="0"/>
+            <a:stCxn id="57" idx="3"/>
             <a:endCxn id="5" idx="1"/>
           </p:cNvCxnSpPr>
           <p:nvPr/>
         </p:nvCxnSpPr>
         <p:spPr>
           <a:xfrm flipV="1">
-            <a:off x="5319830" y="811439"/>
-            <a:ext cx="333032" cy="2605253"/>
+            <a:off x="5055293" y="827482"/>
+            <a:ext cx="3078613" cy="2549621"/>
           </a:xfrm>
           <a:prstGeom prst="line">
             <a:avLst/>
@@ -3637,7 +3723,7 @@
         </p:blipFill>
         <p:spPr>
           <a:xfrm>
-            <a:off x="2104713" y="2714715"/>
+            <a:off x="1551261" y="2665998"/>
             <a:ext cx="302630" cy="325166"/>
           </a:xfrm>
           <a:prstGeom prst="rect">
@@ -3667,7 +3753,7 @@
         </p:blipFill>
         <p:spPr>
           <a:xfrm>
-            <a:off x="6591001" y="976667"/>
+            <a:off x="9072045" y="992710"/>
             <a:ext cx="386768" cy="386768"/>
           </a:xfrm>
           <a:prstGeom prst="rect">
@@ -3683,7 +3769,7 @@
         </p:nvSpPr>
         <p:spPr bwMode="auto">
           <a:xfrm>
-            <a:off x="8097182" y="1094903"/>
+            <a:off x="10396952" y="1110946"/>
             <a:ext cx="1636776" cy="1389888"/>
           </a:xfrm>
           <a:prstGeom prst="hexagon">
@@ -3777,8 +3863,23 @@
                 <a:ea typeface="Segoe UI" pitchFamily="34" charset="0"/>
                 <a:cs typeface="Segoe UI" pitchFamily="34" charset="0"/>
               </a:rPr>
-              <a:t>Rule #1</a:t>
-            </a:r>
+              <a:t>Portfolio</a:t>
+            </a:r>
+            <a:endParaRPr lang="pl-PL" sz="1100" b="1" dirty="0" smtClean="0">
+              <a:gradFill>
+                <a:gsLst>
+                  <a:gs pos="0">
+                    <a:srgbClr val="FFFFFF"/>
+                  </a:gs>
+                  <a:gs pos="100000">
+                    <a:srgbClr val="FFFFFF"/>
+                  </a:gs>
+                </a:gsLst>
+                <a:lin ang="5400000" scaled="0"/>
+              </a:gradFill>
+              <a:ea typeface="Segoe UI" pitchFamily="34" charset="0"/>
+              <a:cs typeface="Segoe UI" pitchFamily="34" charset="0"/>
+            </a:endParaRPr>
           </a:p>
           <a:p>
             <a:pPr algn="ctr" defTabSz="932472" fontAlgn="base">
@@ -3836,8 +3937,8 @@
         </p:nvSpPr>
         <p:spPr>
           <a:xfrm>
-            <a:off x="7784047" y="1506383"/>
-            <a:ext cx="649224" cy="566928"/>
+            <a:off x="10083817" y="1522426"/>
+            <a:ext cx="758952" cy="566928"/>
           </a:xfrm>
           <a:prstGeom prst="rect">
             <a:avLst/>
@@ -3865,17 +3966,24 @@
           <a:p>
             <a:pPr algn="ctr"/>
             <a:r>
-              <a:rPr lang="pl-PL" sz="1000" dirty="0" smtClean="0"/>
+              <a:rPr lang="pl-PL" sz="900" dirty="0"/>
               <a:t>REST</a:t>
             </a:r>
           </a:p>
           <a:p>
             <a:pPr algn="ctr"/>
             <a:r>
-              <a:rPr lang="pl-PL" sz="1000" dirty="0" smtClean="0"/>
-              <a:t>API</a:t>
-            </a:r>
-            <a:endParaRPr lang="en-US" sz="1000" dirty="0"/>
+              <a:rPr lang="pl-PL" sz="900" dirty="0"/>
+              <a:t>AMQP</a:t>
+            </a:r>
+          </a:p>
+          <a:p>
+            <a:pPr algn="ctr"/>
+            <a:r>
+              <a:rPr lang="pl-PL" sz="900" dirty="0"/>
+              <a:t>WebSockets</a:t>
+            </a:r>
+            <a:endParaRPr lang="en-US" sz="900" dirty="0"/>
           </a:p>
         </p:txBody>
       </p:sp>
@@ -3901,7 +4009,7 @@
         </p:blipFill>
         <p:spPr>
           <a:xfrm>
-            <a:off x="8722186" y="1955075"/>
+            <a:off x="11021956" y="1971118"/>
             <a:ext cx="386768" cy="386768"/>
           </a:xfrm>
           <a:prstGeom prst="rect">
@@ -3917,7 +4025,7 @@
         </p:nvSpPr>
         <p:spPr bwMode="auto">
           <a:xfrm>
-            <a:off x="8097182" y="2722706"/>
+            <a:off x="10396952" y="2738749"/>
             <a:ext cx="1636776" cy="1389888"/>
           </a:xfrm>
           <a:prstGeom prst="hexagon">
@@ -4011,8 +4119,23 @@
                 <a:ea typeface="Segoe UI" pitchFamily="34" charset="0"/>
                 <a:cs typeface="Segoe UI" pitchFamily="34" charset="0"/>
               </a:rPr>
-              <a:t>Portfolio</a:t>
-            </a:r>
+              <a:t>Watchlist</a:t>
+            </a:r>
+            <a:endParaRPr lang="pl-PL" sz="1100" b="1" dirty="0" smtClean="0">
+              <a:gradFill>
+                <a:gsLst>
+                  <a:gs pos="0">
+                    <a:srgbClr val="FFFFFF"/>
+                  </a:gs>
+                  <a:gs pos="100000">
+                    <a:srgbClr val="FFFFFF"/>
+                  </a:gs>
+                </a:gsLst>
+                <a:lin ang="5400000" scaled="0"/>
+              </a:gradFill>
+              <a:ea typeface="Segoe UI" pitchFamily="34" charset="0"/>
+              <a:cs typeface="Segoe UI" pitchFamily="34" charset="0"/>
+            </a:endParaRPr>
           </a:p>
           <a:p>
             <a:pPr algn="ctr" defTabSz="932472" fontAlgn="base">
@@ -4070,8 +4193,8 @@
         </p:nvSpPr>
         <p:spPr>
           <a:xfrm>
-            <a:off x="7784047" y="3134186"/>
-            <a:ext cx="649224" cy="566928"/>
+            <a:off x="10083817" y="3150229"/>
+            <a:ext cx="758952" cy="566928"/>
           </a:xfrm>
           <a:prstGeom prst="rect">
             <a:avLst/>
@@ -4099,17 +4222,24 @@
           <a:p>
             <a:pPr algn="ctr"/>
             <a:r>
-              <a:rPr lang="pl-PL" sz="1000" dirty="0" smtClean="0"/>
+              <a:rPr lang="pl-PL" sz="900" dirty="0"/>
               <a:t>REST</a:t>
             </a:r>
           </a:p>
           <a:p>
             <a:pPr algn="ctr"/>
             <a:r>
-              <a:rPr lang="pl-PL" sz="1000" dirty="0" smtClean="0"/>
-              <a:t>API</a:t>
-            </a:r>
-            <a:endParaRPr lang="en-US" sz="1000" dirty="0"/>
+              <a:rPr lang="pl-PL" sz="900" dirty="0"/>
+              <a:t>AMQP</a:t>
+            </a:r>
+          </a:p>
+          <a:p>
+            <a:pPr algn="ctr"/>
+            <a:r>
+              <a:rPr lang="pl-PL" sz="900" dirty="0"/>
+              <a:t>WebSockets</a:t>
+            </a:r>
+            <a:endParaRPr lang="en-US" sz="900" dirty="0"/>
           </a:p>
         </p:txBody>
       </p:sp>
@@ -4135,7 +4265,7 @@
         </p:blipFill>
         <p:spPr>
           <a:xfrm>
-            <a:off x="8722186" y="3582878"/>
+            <a:off x="11021956" y="3598921"/>
             <a:ext cx="386768" cy="386768"/>
           </a:xfrm>
           <a:prstGeom prst="rect">
@@ -4151,7 +4281,7 @@
         </p:nvSpPr>
         <p:spPr bwMode="auto">
           <a:xfrm>
-            <a:off x="8097182" y="4348437"/>
+            <a:off x="10396952" y="4364480"/>
             <a:ext cx="1636776" cy="1389888"/>
           </a:xfrm>
           <a:prstGeom prst="hexagon">
@@ -4245,8 +4375,23 @@
                 <a:ea typeface="Segoe UI" pitchFamily="34" charset="0"/>
                 <a:cs typeface="Segoe UI" pitchFamily="34" charset="0"/>
               </a:rPr>
-              <a:t>Watchlist</a:t>
-            </a:r>
+              <a:t>Identity</a:t>
+            </a:r>
+            <a:endParaRPr lang="pl-PL" sz="1100" b="1" dirty="0" smtClean="0">
+              <a:gradFill>
+                <a:gsLst>
+                  <a:gs pos="0">
+                    <a:srgbClr val="FFFFFF"/>
+                  </a:gs>
+                  <a:gs pos="100000">
+                    <a:srgbClr val="FFFFFF"/>
+                  </a:gs>
+                </a:gsLst>
+                <a:lin ang="5400000" scaled="0"/>
+              </a:gradFill>
+              <a:ea typeface="Segoe UI" pitchFamily="34" charset="0"/>
+              <a:cs typeface="Segoe UI" pitchFamily="34" charset="0"/>
+            </a:endParaRPr>
           </a:p>
           <a:p>
             <a:pPr algn="ctr" defTabSz="932472" fontAlgn="base">
@@ -4304,8 +4449,8 @@
         </p:nvSpPr>
         <p:spPr>
           <a:xfrm>
-            <a:off x="7784047" y="4759917"/>
-            <a:ext cx="649224" cy="566928"/>
+            <a:off x="10083817" y="4775960"/>
+            <a:ext cx="758952" cy="566928"/>
           </a:xfrm>
           <a:prstGeom prst="rect">
             <a:avLst/>
@@ -4333,17 +4478,24 @@
           <a:p>
             <a:pPr algn="ctr"/>
             <a:r>
-              <a:rPr lang="pl-PL" sz="1000" dirty="0" smtClean="0"/>
+              <a:rPr lang="pl-PL" sz="900" dirty="0"/>
               <a:t>REST</a:t>
             </a:r>
           </a:p>
           <a:p>
             <a:pPr algn="ctr"/>
             <a:r>
-              <a:rPr lang="pl-PL" sz="1000" dirty="0" smtClean="0"/>
-              <a:t>API</a:t>
-            </a:r>
-            <a:endParaRPr lang="en-US" sz="1000" dirty="0"/>
+              <a:rPr lang="pl-PL" sz="900" dirty="0"/>
+              <a:t>AMQP</a:t>
+            </a:r>
+          </a:p>
+          <a:p>
+            <a:pPr algn="ctr"/>
+            <a:r>
+              <a:rPr lang="pl-PL" sz="900" dirty="0"/>
+              <a:t>WebSockets</a:t>
+            </a:r>
+            <a:endParaRPr lang="en-US" sz="900" dirty="0"/>
           </a:p>
         </p:txBody>
       </p:sp>
@@ -4369,7 +4521,7 @@
         </p:blipFill>
         <p:spPr>
           <a:xfrm>
-            <a:off x="8722186" y="5208609"/>
+            <a:off x="11280059" y="5213697"/>
             <a:ext cx="386768" cy="386768"/>
           </a:xfrm>
           <a:prstGeom prst="rect">
@@ -4385,7 +4537,7 @@
         </p:nvSpPr>
         <p:spPr bwMode="auto">
           <a:xfrm>
-            <a:off x="5965997" y="5326845"/>
+            <a:off x="8447041" y="5338801"/>
             <a:ext cx="1636776" cy="1389888"/>
           </a:xfrm>
           <a:prstGeom prst="hexagon">
@@ -4479,8 +4631,23 @@
                 <a:ea typeface="Segoe UI" pitchFamily="34" charset="0"/>
                 <a:cs typeface="Segoe UI" pitchFamily="34" charset="0"/>
               </a:rPr>
-              <a:t>Identity</a:t>
-            </a:r>
+              <a:t>Email</a:t>
+            </a:r>
+            <a:endParaRPr lang="pl-PL" sz="1100" b="1" dirty="0" smtClean="0">
+              <a:gradFill>
+                <a:gsLst>
+                  <a:gs pos="0">
+                    <a:srgbClr val="FFFFFF"/>
+                  </a:gs>
+                  <a:gs pos="100000">
+                    <a:srgbClr val="FFFFFF"/>
+                  </a:gs>
+                </a:gsLst>
+                <a:lin ang="5400000" scaled="0"/>
+              </a:gradFill>
+              <a:ea typeface="Segoe UI" pitchFamily="34" charset="0"/>
+              <a:cs typeface="Segoe UI" pitchFamily="34" charset="0"/>
+            </a:endParaRPr>
           </a:p>
           <a:p>
             <a:pPr algn="ctr" defTabSz="932472" fontAlgn="base">
@@ -4538,8 +4705,8 @@
         </p:nvSpPr>
         <p:spPr>
           <a:xfrm>
-            <a:off x="5652862" y="5738325"/>
-            <a:ext cx="649224" cy="566928"/>
+            <a:off x="8133906" y="5750281"/>
+            <a:ext cx="758952" cy="566928"/>
           </a:xfrm>
           <a:prstGeom prst="rect">
             <a:avLst/>
@@ -4567,17 +4734,24 @@
           <a:p>
             <a:pPr algn="ctr"/>
             <a:r>
-              <a:rPr lang="pl-PL" sz="1000" dirty="0" smtClean="0"/>
+              <a:rPr lang="pl-PL" sz="900" dirty="0"/>
               <a:t>REST</a:t>
             </a:r>
           </a:p>
           <a:p>
             <a:pPr algn="ctr"/>
             <a:r>
-              <a:rPr lang="pl-PL" sz="1000" dirty="0" smtClean="0"/>
-              <a:t>API</a:t>
-            </a:r>
-            <a:endParaRPr lang="en-US" sz="1000" dirty="0"/>
+              <a:rPr lang="pl-PL" sz="900" dirty="0"/>
+              <a:t>AMQP</a:t>
+            </a:r>
+          </a:p>
+          <a:p>
+            <a:pPr algn="ctr"/>
+            <a:r>
+              <a:rPr lang="pl-PL" sz="900" dirty="0"/>
+              <a:t>WebSockets</a:t>
+            </a:r>
+            <a:endParaRPr lang="en-US" sz="900" dirty="0"/>
           </a:p>
         </p:txBody>
       </p:sp>
@@ -4603,7 +4777,7 @@
         </p:blipFill>
         <p:spPr>
           <a:xfrm>
-            <a:off x="6591001" y="6187017"/>
+            <a:off x="9072045" y="6198973"/>
             <a:ext cx="386768" cy="386768"/>
           </a:xfrm>
           <a:prstGeom prst="rect">
@@ -4615,15 +4789,15 @@
         <p:nvCxnSpPr>
           <p:cNvPr id="61" name="Straight Connector 60"/>
           <p:cNvCxnSpPr>
-            <a:stCxn id="9" idx="0"/>
+            <a:stCxn id="57" idx="3"/>
             <a:endCxn id="46" idx="1"/>
           </p:cNvCxnSpPr>
           <p:nvPr/>
         </p:nvCxnSpPr>
         <p:spPr>
           <a:xfrm flipV="1">
-            <a:off x="5319830" y="1789847"/>
-            <a:ext cx="2464217" cy="1626845"/>
+            <a:off x="5055293" y="1805890"/>
+            <a:ext cx="5028524" cy="1571213"/>
           </a:xfrm>
           <a:prstGeom prst="line">
             <a:avLst/>
@@ -4648,15 +4822,15 @@
         <p:nvCxnSpPr>
           <p:cNvPr id="63" name="Straight Connector 62"/>
           <p:cNvCxnSpPr>
-            <a:stCxn id="9" idx="0"/>
+            <a:stCxn id="57" idx="3"/>
             <a:endCxn id="49" idx="1"/>
           </p:cNvCxnSpPr>
           <p:nvPr/>
         </p:nvCxnSpPr>
         <p:spPr>
           <a:xfrm>
-            <a:off x="5319830" y="3416692"/>
-            <a:ext cx="2464217" cy="958"/>
+            <a:off x="5055293" y="3377103"/>
+            <a:ext cx="5028524" cy="56590"/>
           </a:xfrm>
           <a:prstGeom prst="line">
             <a:avLst/>
@@ -4681,15 +4855,15 @@
         <p:nvCxnSpPr>
           <p:cNvPr id="65" name="Straight Connector 64"/>
           <p:cNvCxnSpPr>
-            <a:stCxn id="9" idx="0"/>
+            <a:stCxn id="57" idx="3"/>
             <a:endCxn id="52" idx="1"/>
           </p:cNvCxnSpPr>
           <p:nvPr/>
         </p:nvCxnSpPr>
         <p:spPr>
           <a:xfrm>
-            <a:off x="5319830" y="3416692"/>
-            <a:ext cx="2464217" cy="1626689"/>
+            <a:off x="5055293" y="3377103"/>
+            <a:ext cx="5028524" cy="1682321"/>
           </a:xfrm>
           <a:prstGeom prst="line">
             <a:avLst/>
@@ -4714,15 +4888,15 @@
         <p:nvCxnSpPr>
           <p:cNvPr id="67" name="Straight Connector 66"/>
           <p:cNvCxnSpPr>
-            <a:stCxn id="9" idx="0"/>
+            <a:stCxn id="57" idx="3"/>
             <a:endCxn id="55" idx="1"/>
           </p:cNvCxnSpPr>
           <p:nvPr/>
         </p:nvCxnSpPr>
         <p:spPr>
           <a:xfrm>
-            <a:off x="5319830" y="3416692"/>
-            <a:ext cx="333032" cy="2605097"/>
+            <a:off x="5055293" y="3377103"/>
+            <a:ext cx="3078613" cy="2656642"/>
           </a:xfrm>
           <a:prstGeom prst="line">
             <a:avLst/>
@@ -4743,6 +4917,702 @@
           </a:fontRef>
         </p:style>
       </p:cxnSp>
+      <p:pic>
+        <p:nvPicPr>
+          <p:cNvPr id="31" name="Picture 30"/>
+          <p:cNvPicPr>
+            <a:picLocks noChangeAspect="1"/>
+          </p:cNvPicPr>
+          <p:nvPr/>
+        </p:nvPicPr>
+        <p:blipFill>
+          <a:blip r:embed="rId5" cstate="print">
+            <a:extLst>
+              <a:ext uri="{28A0092B-C50C-407E-A947-70E740481C1C}">
+                <a14:useLocalDpi xmlns:a14="http://schemas.microsoft.com/office/drawing/2010/main" val="0"/>
+              </a:ext>
+            </a:extLst>
+          </a:blip>
+          <a:stretch>
+            <a:fillRect/>
+          </a:stretch>
+        </p:blipFill>
+        <p:spPr>
+          <a:xfrm>
+            <a:off x="3925947" y="3576991"/>
+            <a:ext cx="386768" cy="386768"/>
+          </a:xfrm>
+          <a:prstGeom prst="rect">
+            <a:avLst/>
+          </a:prstGeom>
+        </p:spPr>
+      </p:pic>
+      <p:sp>
+        <p:nvSpPr>
+          <p:cNvPr id="32" name="Hexagon 31"/>
+          <p:cNvSpPr/>
+          <p:nvPr/>
+        </p:nvSpPr>
+        <p:spPr bwMode="auto">
+          <a:xfrm>
+            <a:off x="6011914" y="5338801"/>
+            <a:ext cx="1636776" cy="1389888"/>
+          </a:xfrm>
+          <a:prstGeom prst="hexagon">
+            <a:avLst/>
+          </a:prstGeom>
+          <a:solidFill>
+            <a:schemeClr val="accent5"/>
+          </a:solidFill>
+          <a:ln>
+            <a:noFill/>
+            <a:headEnd type="none" w="med" len="med"/>
+            <a:tailEnd type="none" w="med" len="med"/>
+          </a:ln>
+          <a:effectLst/>
+        </p:spPr>
+        <p:style>
+          <a:lnRef idx="1">
+            <a:schemeClr val="accent2"/>
+          </a:lnRef>
+          <a:fillRef idx="3">
+            <a:schemeClr val="accent2"/>
+          </a:fillRef>
+          <a:effectRef idx="2">
+            <a:schemeClr val="accent2"/>
+          </a:effectRef>
+          <a:fontRef idx="minor">
+            <a:schemeClr val="lt1"/>
+          </a:fontRef>
+        </p:style>
+        <p:txBody>
+          <a:bodyPr rot="0" spcFirstLastPara="0" vertOverflow="overflow" horzOverflow="overflow" vert="horz" wrap="square" lIns="182880" tIns="146304" rIns="182880" bIns="146304" numCol="1" spcCol="0" rtlCol="0" fromWordArt="0" anchor="t" anchorCtr="0" forceAA="0" compatLnSpc="1">
+            <a:prstTxWarp prst="textNoShape">
+              <a:avLst/>
+            </a:prstTxWarp>
+            <a:noAutofit/>
+          </a:bodyPr>
+          <a:lstStyle/>
+          <a:p>
+            <a:pPr algn="ctr" defTabSz="932472" fontAlgn="base">
+              <a:lnSpc>
+                <a:spcPct val="90000"/>
+              </a:lnSpc>
+              <a:spcBef>
+                <a:spcPct val="0"/>
+              </a:spcBef>
+              <a:spcAft>
+                <a:spcPct val="0"/>
+              </a:spcAft>
+            </a:pPr>
+            <a:endParaRPr lang="pl-PL" sz="1100" b="1" dirty="0" smtClean="0">
+              <a:gradFill>
+                <a:gsLst>
+                  <a:gs pos="0">
+                    <a:srgbClr val="FFFFFF"/>
+                  </a:gs>
+                  <a:gs pos="100000">
+                    <a:srgbClr val="FFFFFF"/>
+                  </a:gs>
+                </a:gsLst>
+                <a:lin ang="5400000" scaled="0"/>
+              </a:gradFill>
+              <a:ea typeface="Segoe UI" pitchFamily="34" charset="0"/>
+              <a:cs typeface="Segoe UI" pitchFamily="34" charset="0"/>
+            </a:endParaRPr>
+          </a:p>
+          <a:p>
+            <a:pPr algn="ctr" defTabSz="932472" fontAlgn="base">
+              <a:lnSpc>
+                <a:spcPct val="90000"/>
+              </a:lnSpc>
+              <a:spcBef>
+                <a:spcPct val="0"/>
+              </a:spcBef>
+              <a:spcAft>
+                <a:spcPct val="0"/>
+              </a:spcAft>
+            </a:pPr>
+            <a:r>
+              <a:rPr lang="pl-PL" sz="1100" b="1" dirty="0" smtClean="0">
+                <a:gradFill>
+                  <a:gsLst>
+                    <a:gs pos="0">
+                      <a:srgbClr val="FFFFFF"/>
+                    </a:gs>
+                    <a:gs pos="100000">
+                      <a:srgbClr val="FFFFFF"/>
+                    </a:gs>
+                  </a:gsLst>
+                  <a:lin ang="5400000" scaled="0"/>
+                </a:gradFill>
+                <a:ea typeface="Segoe UI" pitchFamily="34" charset="0"/>
+                <a:cs typeface="Segoe UI" pitchFamily="34" charset="0"/>
+              </a:rPr>
+              <a:t>Gamification</a:t>
+            </a:r>
+            <a:endParaRPr lang="pl-PL" sz="1100" b="1" dirty="0" smtClean="0">
+              <a:gradFill>
+                <a:gsLst>
+                  <a:gs pos="0">
+                    <a:srgbClr val="FFFFFF"/>
+                  </a:gs>
+                  <a:gs pos="100000">
+                    <a:srgbClr val="FFFFFF"/>
+                  </a:gs>
+                </a:gsLst>
+                <a:lin ang="5400000" scaled="0"/>
+              </a:gradFill>
+              <a:ea typeface="Segoe UI" pitchFamily="34" charset="0"/>
+              <a:cs typeface="Segoe UI" pitchFamily="34" charset="0"/>
+            </a:endParaRPr>
+          </a:p>
+          <a:p>
+            <a:pPr algn="ctr" defTabSz="932472" fontAlgn="base">
+              <a:lnSpc>
+                <a:spcPct val="90000"/>
+              </a:lnSpc>
+              <a:spcBef>
+                <a:spcPct val="0"/>
+              </a:spcBef>
+              <a:spcAft>
+                <a:spcPct val="0"/>
+              </a:spcAft>
+            </a:pPr>
+            <a:r>
+              <a:rPr lang="pl-PL" sz="800" b="1" dirty="0" smtClean="0">
+                <a:gradFill>
+                  <a:gsLst>
+                    <a:gs pos="0">
+                      <a:srgbClr val="FFFFFF"/>
+                    </a:gs>
+                    <a:gs pos="100000">
+                      <a:srgbClr val="FFFFFF"/>
+                    </a:gs>
+                  </a:gsLst>
+                  <a:lin ang="5400000" scaled="0"/>
+                </a:gradFill>
+                <a:ea typeface="Segoe UI" pitchFamily="34" charset="0"/>
+                <a:cs typeface="Segoe UI" pitchFamily="34" charset="0"/>
+              </a:rPr>
+              <a:t>Microservice</a:t>
+            </a:r>
+            <a:endParaRPr lang="en-US" sz="800" dirty="0" smtClean="0">
+              <a:gradFill>
+                <a:gsLst>
+                  <a:gs pos="0">
+                    <a:srgbClr val="FFFFFF"/>
+                  </a:gs>
+                  <a:gs pos="100000">
+                    <a:srgbClr val="FFFFFF"/>
+                  </a:gs>
+                </a:gsLst>
+                <a:lin ang="5400000" scaled="0"/>
+              </a:gradFill>
+              <a:ea typeface="Segoe UI" pitchFamily="34" charset="0"/>
+              <a:cs typeface="Segoe UI" pitchFamily="34" charset="0"/>
+            </a:endParaRPr>
+          </a:p>
+        </p:txBody>
+      </p:sp>
+      <p:sp>
+        <p:nvSpPr>
+          <p:cNvPr id="33" name="Rectangle 32"/>
+          <p:cNvSpPr/>
+          <p:nvPr/>
+        </p:nvSpPr>
+        <p:spPr>
+          <a:xfrm>
+            <a:off x="5698779" y="5750281"/>
+            <a:ext cx="758952" cy="566928"/>
+          </a:xfrm>
+          <a:prstGeom prst="rect">
+            <a:avLst/>
+          </a:prstGeom>
+        </p:spPr>
+        <p:style>
+          <a:lnRef idx="2">
+            <a:schemeClr val="accent1">
+              <a:shade val="50000"/>
+            </a:schemeClr>
+          </a:lnRef>
+          <a:fillRef idx="1">
+            <a:schemeClr val="accent1"/>
+          </a:fillRef>
+          <a:effectRef idx="0">
+            <a:schemeClr val="accent1"/>
+          </a:effectRef>
+          <a:fontRef idx="minor">
+            <a:schemeClr val="lt1"/>
+          </a:fontRef>
+        </p:style>
+        <p:txBody>
+          <a:bodyPr rtlCol="0" anchor="ctr"/>
+          <a:lstStyle/>
+          <a:p>
+            <a:pPr algn="ctr"/>
+            <a:r>
+              <a:rPr lang="pl-PL" sz="900" dirty="0"/>
+              <a:t>REST</a:t>
+            </a:r>
+          </a:p>
+          <a:p>
+            <a:pPr algn="ctr"/>
+            <a:r>
+              <a:rPr lang="pl-PL" sz="900" dirty="0"/>
+              <a:t>AMQP</a:t>
+            </a:r>
+          </a:p>
+          <a:p>
+            <a:pPr algn="ctr"/>
+            <a:r>
+              <a:rPr lang="pl-PL" sz="900" dirty="0"/>
+              <a:t>WebSockets</a:t>
+            </a:r>
+            <a:endParaRPr lang="en-US" sz="900" dirty="0"/>
+          </a:p>
+        </p:txBody>
+      </p:sp>
+      <p:pic>
+        <p:nvPicPr>
+          <p:cNvPr id="34" name="Picture 33"/>
+          <p:cNvPicPr>
+            <a:picLocks noChangeAspect="1"/>
+          </p:cNvPicPr>
+          <p:nvPr/>
+        </p:nvPicPr>
+        <p:blipFill>
+          <a:blip r:embed="rId5" cstate="print">
+            <a:extLst>
+              <a:ext uri="{28A0092B-C50C-407E-A947-70E740481C1C}">
+                <a14:useLocalDpi xmlns:a14="http://schemas.microsoft.com/office/drawing/2010/main" val="0"/>
+              </a:ext>
+            </a:extLst>
+          </a:blip>
+          <a:stretch>
+            <a:fillRect/>
+          </a:stretch>
+        </p:blipFill>
+        <p:spPr>
+          <a:xfrm>
+            <a:off x="6636918" y="6198973"/>
+            <a:ext cx="386768" cy="386768"/>
+          </a:xfrm>
+          <a:prstGeom prst="rect">
+            <a:avLst/>
+          </a:prstGeom>
+        </p:spPr>
+      </p:pic>
+      <p:sp>
+        <p:nvSpPr>
+          <p:cNvPr id="35" name="Hexagon 34"/>
+          <p:cNvSpPr/>
+          <p:nvPr/>
+        </p:nvSpPr>
+        <p:spPr bwMode="auto">
+          <a:xfrm>
+            <a:off x="5976492" y="132538"/>
+            <a:ext cx="1636776" cy="1389888"/>
+          </a:xfrm>
+          <a:prstGeom prst="hexagon">
+            <a:avLst/>
+          </a:prstGeom>
+          <a:solidFill>
+            <a:schemeClr val="accent5"/>
+          </a:solidFill>
+          <a:ln>
+            <a:noFill/>
+            <a:headEnd type="none" w="med" len="med"/>
+            <a:tailEnd type="none" w="med" len="med"/>
+          </a:ln>
+          <a:effectLst/>
+        </p:spPr>
+        <p:style>
+          <a:lnRef idx="1">
+            <a:schemeClr val="accent2"/>
+          </a:lnRef>
+          <a:fillRef idx="3">
+            <a:schemeClr val="accent2"/>
+          </a:fillRef>
+          <a:effectRef idx="2">
+            <a:schemeClr val="accent2"/>
+          </a:effectRef>
+          <a:fontRef idx="minor">
+            <a:schemeClr val="lt1"/>
+          </a:fontRef>
+        </p:style>
+        <p:txBody>
+          <a:bodyPr rot="0" spcFirstLastPara="0" vertOverflow="overflow" horzOverflow="overflow" vert="horz" wrap="square" lIns="182880" tIns="146304" rIns="182880" bIns="146304" numCol="1" spcCol="0" rtlCol="0" fromWordArt="0" anchor="t" anchorCtr="0" forceAA="0" compatLnSpc="1">
+            <a:prstTxWarp prst="textNoShape">
+              <a:avLst/>
+            </a:prstTxWarp>
+            <a:noAutofit/>
+          </a:bodyPr>
+          <a:lstStyle/>
+          <a:p>
+            <a:pPr algn="ctr" defTabSz="932472" fontAlgn="base">
+              <a:lnSpc>
+                <a:spcPct val="90000"/>
+              </a:lnSpc>
+              <a:spcBef>
+                <a:spcPct val="0"/>
+              </a:spcBef>
+              <a:spcAft>
+                <a:spcPct val="0"/>
+              </a:spcAft>
+            </a:pPr>
+            <a:endParaRPr lang="pl-PL" sz="1100" b="1" dirty="0" smtClean="0">
+              <a:gradFill>
+                <a:gsLst>
+                  <a:gs pos="0">
+                    <a:srgbClr val="FFFFFF"/>
+                  </a:gs>
+                  <a:gs pos="100000">
+                    <a:srgbClr val="FFFFFF"/>
+                  </a:gs>
+                </a:gsLst>
+                <a:lin ang="5400000" scaled="0"/>
+              </a:gradFill>
+              <a:ea typeface="Segoe UI" pitchFamily="34" charset="0"/>
+              <a:cs typeface="Segoe UI" pitchFamily="34" charset="0"/>
+            </a:endParaRPr>
+          </a:p>
+          <a:p>
+            <a:pPr algn="ctr" defTabSz="932472" fontAlgn="base">
+              <a:lnSpc>
+                <a:spcPct val="90000"/>
+              </a:lnSpc>
+              <a:spcBef>
+                <a:spcPct val="0"/>
+              </a:spcBef>
+              <a:spcAft>
+                <a:spcPct val="0"/>
+              </a:spcAft>
+            </a:pPr>
+            <a:r>
+              <a:rPr lang="pl-PL" sz="1100" b="1" dirty="0" smtClean="0">
+                <a:gradFill>
+                  <a:gsLst>
+                    <a:gs pos="0">
+                      <a:srgbClr val="FFFFFF"/>
+                    </a:gs>
+                    <a:gs pos="100000">
+                      <a:srgbClr val="FFFFFF"/>
+                    </a:gs>
+                  </a:gsLst>
+                  <a:lin ang="5400000" scaled="0"/>
+                </a:gradFill>
+                <a:ea typeface="Segoe UI" pitchFamily="34" charset="0"/>
+                <a:cs typeface="Segoe UI" pitchFamily="34" charset="0"/>
+              </a:rPr>
+              <a:t>Companies</a:t>
+            </a:r>
+            <a:endParaRPr lang="pl-PL" sz="1100" b="1" dirty="0" smtClean="0">
+              <a:gradFill>
+                <a:gsLst>
+                  <a:gs pos="0">
+                    <a:srgbClr val="FFFFFF"/>
+                  </a:gs>
+                  <a:gs pos="100000">
+                    <a:srgbClr val="FFFFFF"/>
+                  </a:gs>
+                </a:gsLst>
+                <a:lin ang="5400000" scaled="0"/>
+              </a:gradFill>
+              <a:ea typeface="Segoe UI" pitchFamily="34" charset="0"/>
+              <a:cs typeface="Segoe UI" pitchFamily="34" charset="0"/>
+            </a:endParaRPr>
+          </a:p>
+          <a:p>
+            <a:pPr algn="ctr" defTabSz="932472" fontAlgn="base">
+              <a:lnSpc>
+                <a:spcPct val="90000"/>
+              </a:lnSpc>
+              <a:spcBef>
+                <a:spcPct val="0"/>
+              </a:spcBef>
+              <a:spcAft>
+                <a:spcPct val="0"/>
+              </a:spcAft>
+            </a:pPr>
+            <a:r>
+              <a:rPr lang="pl-PL" sz="800" b="1" dirty="0" smtClean="0">
+                <a:gradFill>
+                  <a:gsLst>
+                    <a:gs pos="0">
+                      <a:srgbClr val="FFFFFF"/>
+                    </a:gs>
+                    <a:gs pos="100000">
+                      <a:srgbClr val="FFFFFF"/>
+                    </a:gs>
+                  </a:gsLst>
+                  <a:lin ang="5400000" scaled="0"/>
+                </a:gradFill>
+                <a:ea typeface="Segoe UI" pitchFamily="34" charset="0"/>
+                <a:cs typeface="Segoe UI" pitchFamily="34" charset="0"/>
+              </a:rPr>
+              <a:t>Microservice</a:t>
+            </a:r>
+            <a:endParaRPr lang="en-US" sz="800" dirty="0" smtClean="0">
+              <a:gradFill>
+                <a:gsLst>
+                  <a:gs pos="0">
+                    <a:srgbClr val="FFFFFF"/>
+                  </a:gs>
+                  <a:gs pos="100000">
+                    <a:srgbClr val="FFFFFF"/>
+                  </a:gs>
+                </a:gsLst>
+                <a:lin ang="5400000" scaled="0"/>
+              </a:gradFill>
+              <a:ea typeface="Segoe UI" pitchFamily="34" charset="0"/>
+              <a:cs typeface="Segoe UI" pitchFamily="34" charset="0"/>
+            </a:endParaRPr>
+          </a:p>
+        </p:txBody>
+      </p:sp>
+      <p:sp>
+        <p:nvSpPr>
+          <p:cNvPr id="36" name="Rectangle 35"/>
+          <p:cNvSpPr/>
+          <p:nvPr/>
+        </p:nvSpPr>
+        <p:spPr>
+          <a:xfrm>
+            <a:off x="5663357" y="544018"/>
+            <a:ext cx="758952" cy="566928"/>
+          </a:xfrm>
+          <a:prstGeom prst="rect">
+            <a:avLst/>
+          </a:prstGeom>
+        </p:spPr>
+        <p:style>
+          <a:lnRef idx="2">
+            <a:schemeClr val="accent1">
+              <a:shade val="50000"/>
+            </a:schemeClr>
+          </a:lnRef>
+          <a:fillRef idx="1">
+            <a:schemeClr val="accent1"/>
+          </a:fillRef>
+          <a:effectRef idx="0">
+            <a:schemeClr val="accent1"/>
+          </a:effectRef>
+          <a:fontRef idx="minor">
+            <a:schemeClr val="lt1"/>
+          </a:fontRef>
+        </p:style>
+        <p:txBody>
+          <a:bodyPr rtlCol="0" anchor="ctr"/>
+          <a:lstStyle/>
+          <a:p>
+            <a:pPr algn="ctr"/>
+            <a:r>
+              <a:rPr lang="pl-PL" sz="900" dirty="0"/>
+              <a:t>REST</a:t>
+            </a:r>
+          </a:p>
+          <a:p>
+            <a:pPr algn="ctr"/>
+            <a:r>
+              <a:rPr lang="pl-PL" sz="900" dirty="0"/>
+              <a:t>AMQP</a:t>
+            </a:r>
+          </a:p>
+          <a:p>
+            <a:pPr algn="ctr"/>
+            <a:r>
+              <a:rPr lang="pl-PL" sz="900" dirty="0"/>
+              <a:t>WebSockets</a:t>
+            </a:r>
+            <a:endParaRPr lang="en-US" sz="900" dirty="0"/>
+          </a:p>
+        </p:txBody>
+      </p:sp>
+      <p:pic>
+        <p:nvPicPr>
+          <p:cNvPr id="37" name="Picture 36"/>
+          <p:cNvPicPr>
+            <a:picLocks noChangeAspect="1"/>
+          </p:cNvPicPr>
+          <p:nvPr/>
+        </p:nvPicPr>
+        <p:blipFill>
+          <a:blip r:embed="rId5" cstate="print">
+            <a:extLst>
+              <a:ext uri="{28A0092B-C50C-407E-A947-70E740481C1C}">
+                <a14:useLocalDpi xmlns:a14="http://schemas.microsoft.com/office/drawing/2010/main" val="0"/>
+              </a:ext>
+            </a:extLst>
+          </a:blip>
+          <a:stretch>
+            <a:fillRect/>
+          </a:stretch>
+        </p:blipFill>
+        <p:spPr>
+          <a:xfrm>
+            <a:off x="6601496" y="992710"/>
+            <a:ext cx="386768" cy="386768"/>
+          </a:xfrm>
+          <a:prstGeom prst="rect">
+            <a:avLst/>
+          </a:prstGeom>
+        </p:spPr>
+      </p:pic>
+      <p:cxnSp>
+        <p:nvCxnSpPr>
+          <p:cNvPr id="19" name="Straight Connector 18"/>
+          <p:cNvCxnSpPr>
+            <a:stCxn id="57" idx="3"/>
+            <a:endCxn id="36" idx="1"/>
+          </p:cNvCxnSpPr>
+          <p:nvPr/>
+        </p:nvCxnSpPr>
+        <p:spPr>
+          <a:xfrm flipV="1">
+            <a:off x="5055293" y="827482"/>
+            <a:ext cx="608064" cy="2549621"/>
+          </a:xfrm>
+          <a:prstGeom prst="line">
+            <a:avLst/>
+          </a:prstGeom>
+        </p:spPr>
+        <p:style>
+          <a:lnRef idx="1">
+            <a:schemeClr val="accent1"/>
+          </a:lnRef>
+          <a:fillRef idx="0">
+            <a:schemeClr val="accent1"/>
+          </a:fillRef>
+          <a:effectRef idx="0">
+            <a:schemeClr val="accent1"/>
+          </a:effectRef>
+          <a:fontRef idx="minor">
+            <a:schemeClr val="tx1"/>
+          </a:fontRef>
+        </p:style>
+      </p:cxnSp>
+      <p:cxnSp>
+        <p:nvCxnSpPr>
+          <p:cNvPr id="23" name="Straight Connector 22"/>
+          <p:cNvCxnSpPr>
+            <a:stCxn id="57" idx="3"/>
+            <a:endCxn id="33" idx="1"/>
+          </p:cNvCxnSpPr>
+          <p:nvPr/>
+        </p:nvCxnSpPr>
+        <p:spPr>
+          <a:xfrm>
+            <a:off x="5055293" y="3377103"/>
+            <a:ext cx="643486" cy="2656642"/>
+          </a:xfrm>
+          <a:prstGeom prst="line">
+            <a:avLst/>
+          </a:prstGeom>
+        </p:spPr>
+        <p:style>
+          <a:lnRef idx="1">
+            <a:schemeClr val="accent1"/>
+          </a:lnRef>
+          <a:fillRef idx="0">
+            <a:schemeClr val="accent1"/>
+          </a:fillRef>
+          <a:effectRef idx="0">
+            <a:schemeClr val="accent1"/>
+          </a:effectRef>
+          <a:fontRef idx="minor">
+            <a:schemeClr val="tx1"/>
+          </a:fontRef>
+        </p:style>
+      </p:cxnSp>
+      <p:sp>
+        <p:nvSpPr>
+          <p:cNvPr id="57" name="Rectangle 56"/>
+          <p:cNvSpPr/>
+          <p:nvPr/>
+        </p:nvSpPr>
+        <p:spPr>
+          <a:xfrm>
+            <a:off x="4299284" y="3093814"/>
+            <a:ext cx="756009" cy="566578"/>
+          </a:xfrm>
+          <a:prstGeom prst="rect">
+            <a:avLst/>
+          </a:prstGeom>
+        </p:spPr>
+        <p:style>
+          <a:lnRef idx="2">
+            <a:schemeClr val="accent1">
+              <a:shade val="50000"/>
+            </a:schemeClr>
+          </a:lnRef>
+          <a:fillRef idx="1">
+            <a:schemeClr val="accent1"/>
+          </a:fillRef>
+          <a:effectRef idx="0">
+            <a:schemeClr val="accent1"/>
+          </a:effectRef>
+          <a:fontRef idx="minor">
+            <a:schemeClr val="lt1"/>
+          </a:fontRef>
+        </p:style>
+        <p:txBody>
+          <a:bodyPr rtlCol="0" anchor="ctr"/>
+          <a:lstStyle/>
+          <a:p>
+            <a:pPr algn="ctr"/>
+            <a:r>
+              <a:rPr lang="pl-PL" sz="900" dirty="0" smtClean="0"/>
+              <a:t>REST</a:t>
+            </a:r>
+          </a:p>
+          <a:p>
+            <a:pPr algn="ctr"/>
+            <a:r>
+              <a:rPr lang="pl-PL" sz="900" dirty="0" smtClean="0"/>
+              <a:t>AMQP</a:t>
+            </a:r>
+          </a:p>
+          <a:p>
+            <a:pPr algn="ctr"/>
+            <a:r>
+              <a:rPr lang="pl-PL" sz="900" dirty="0" smtClean="0"/>
+              <a:t>WebSockets</a:t>
+            </a:r>
+            <a:endParaRPr lang="en-US" sz="900" dirty="0"/>
+          </a:p>
+        </p:txBody>
+      </p:sp>
+      <p:pic>
+        <p:nvPicPr>
+          <p:cNvPr id="91" name="Picture 90"/>
+          <p:cNvPicPr>
+            <a:picLocks noChangeAspect="1"/>
+          </p:cNvPicPr>
+          <p:nvPr/>
+        </p:nvPicPr>
+        <p:blipFill>
+          <a:blip r:embed="rId6" cstate="print">
+            <a:extLst>
+              <a:ext uri="{28A0092B-C50C-407E-A947-70E740481C1C}">
+                <a14:useLocalDpi xmlns:a14="http://schemas.microsoft.com/office/drawing/2010/main" val="0"/>
+              </a:ext>
+            </a:extLst>
+          </a:blip>
+          <a:stretch>
+            <a:fillRect/>
+          </a:stretch>
+        </p:blipFill>
+        <p:spPr>
+          <a:xfrm>
+            <a:off x="10860816" y="5213697"/>
+            <a:ext cx="384048" cy="384048"/>
+          </a:xfrm>
+          <a:prstGeom prst="rect">
+            <a:avLst/>
+          </a:prstGeom>
+        </p:spPr>
+      </p:pic>
     </p:spTree>
     <p:extLst>
       <p:ext uri="{BB962C8B-B14F-4D97-AF65-F5344CB8AC3E}">

--- a/docs/InvestSystemsOrg.pptx
+++ b/docs/InvestSystemsOrg.pptx
@@ -2969,6 +2969,36 @@
           <a:chExt cx="0" cy="0"/>
         </a:xfrm>
       </p:grpSpPr>
+      <p:pic>
+        <p:nvPicPr>
+          <p:cNvPr id="8" name="Picture 7"/>
+          <p:cNvPicPr>
+            <a:picLocks noChangeAspect="1"/>
+          </p:cNvPicPr>
+          <p:nvPr/>
+        </p:nvPicPr>
+        <p:blipFill>
+          <a:blip r:embed="rId2">
+            <a:extLst>
+              <a:ext uri="{28A0092B-C50C-407E-A947-70E740481C1C}">
+                <a14:useLocalDpi xmlns:a14="http://schemas.microsoft.com/office/drawing/2010/main" val="0"/>
+              </a:ext>
+            </a:extLst>
+          </a:blip>
+          <a:stretch>
+            <a:fillRect/>
+          </a:stretch>
+        </p:blipFill>
+        <p:spPr>
+          <a:xfrm>
+            <a:off x="7443736" y="2600274"/>
+            <a:ext cx="1380340" cy="1371632"/>
+          </a:xfrm>
+          <a:prstGeom prst="rect">
+            <a:avLst/>
+          </a:prstGeom>
+        </p:spPr>
+      </p:pic>
       <p:sp>
         <p:nvSpPr>
           <p:cNvPr id="4" name="Hexagon 3"/>
@@ -3073,21 +3103,6 @@
               </a:rPr>
               <a:t>Rule #1</a:t>
             </a:r>
-            <a:endParaRPr lang="pl-PL" sz="1100" b="1" dirty="0" smtClean="0">
-              <a:gradFill>
-                <a:gsLst>
-                  <a:gs pos="0">
-                    <a:srgbClr val="FFFFFF"/>
-                  </a:gs>
-                  <a:gs pos="100000">
-                    <a:srgbClr val="FFFFFF"/>
-                  </a:gs>
-                </a:gsLst>
-                <a:lin ang="5400000" scaled="0"/>
-              </a:gradFill>
-              <a:ea typeface="Segoe UI" pitchFamily="34" charset="0"/>
-              <a:cs typeface="Segoe UI" pitchFamily="34" charset="0"/>
-            </a:endParaRPr>
           </a:p>
           <a:p>
             <a:pPr algn="ctr" defTabSz="932472" fontAlgn="base">
@@ -3145,7 +3160,7 @@
         </p:nvSpPr>
         <p:spPr>
           <a:xfrm>
-            <a:off x="8133906" y="544018"/>
+            <a:off x="8878166" y="1378651"/>
             <a:ext cx="758952" cy="566928"/>
           </a:xfrm>
           <a:prstGeom prst="rect">
@@ -3203,7 +3218,7 @@
         </p:nvSpPr>
         <p:spPr bwMode="auto">
           <a:xfrm>
-            <a:off x="3128346" y="2673989"/>
+            <a:off x="3897824" y="2673989"/>
             <a:ext cx="1638032" cy="1387972"/>
           </a:xfrm>
           <a:prstGeom prst="hexagon">
@@ -3389,7 +3404,7 @@
         </p:nvSpPr>
         <p:spPr>
           <a:xfrm>
-            <a:off x="2849227" y="3093814"/>
+            <a:off x="3618705" y="3093814"/>
             <a:ext cx="758952" cy="566928"/>
           </a:xfrm>
           <a:prstGeom prst="rect">
@@ -3435,146 +3450,6 @@
       <p:pic>
         <p:nvPicPr>
           <p:cNvPr id="11" name="Picture 10"/>
-          <p:cNvPicPr>
-            <a:picLocks noChangeAspect="1"/>
-          </p:cNvPicPr>
-          <p:nvPr/>
-        </p:nvPicPr>
-        <p:blipFill>
-          <a:blip r:embed="rId2" cstate="print">
-            <a:extLst>
-              <a:ext uri="{28A0092B-C50C-407E-A947-70E740481C1C}">
-                <a14:useLocalDpi xmlns:a14="http://schemas.microsoft.com/office/drawing/2010/main" val="0"/>
-              </a:ext>
-            </a:extLst>
-          </a:blip>
-          <a:stretch>
-            <a:fillRect/>
-          </a:stretch>
-        </p:blipFill>
-        <p:spPr>
-          <a:xfrm>
-            <a:off x="3590410" y="3598921"/>
-            <a:ext cx="325366" cy="364838"/>
-          </a:xfrm>
-          <a:prstGeom prst="rect">
-            <a:avLst/>
-          </a:prstGeom>
-        </p:spPr>
-      </p:pic>
-      <p:sp>
-        <p:nvSpPr>
-          <p:cNvPr id="12" name="Rectangle 11"/>
-          <p:cNvSpPr/>
-          <p:nvPr/>
-        </p:nvSpPr>
-        <p:spPr>
-          <a:xfrm>
-            <a:off x="1127453" y="1980498"/>
-            <a:ext cx="1150246" cy="1113316"/>
-          </a:xfrm>
-          <a:prstGeom prst="rect">
-            <a:avLst/>
-          </a:prstGeom>
-          <a:solidFill>
-            <a:schemeClr val="bg2"/>
-          </a:solidFill>
-        </p:spPr>
-        <p:style>
-          <a:lnRef idx="2">
-            <a:schemeClr val="accent1">
-              <a:shade val="50000"/>
-            </a:schemeClr>
-          </a:lnRef>
-          <a:fillRef idx="1">
-            <a:schemeClr val="accent1"/>
-          </a:fillRef>
-          <a:effectRef idx="0">
-            <a:schemeClr val="accent1"/>
-          </a:effectRef>
-          <a:fontRef idx="minor">
-            <a:schemeClr val="lt1"/>
-          </a:fontRef>
-        </p:style>
-        <p:txBody>
-          <a:bodyPr rtlCol="0" anchor="ctr"/>
-          <a:lstStyle/>
-          <a:p>
-            <a:pPr algn="ctr"/>
-            <a:r>
-              <a:rPr lang="en-US" sz="1400" dirty="0" smtClean="0">
-                <a:solidFill>
-                  <a:schemeClr val="tx1"/>
-                </a:solidFill>
-              </a:rPr>
-              <a:t>Browser</a:t>
-            </a:r>
-            <a:endParaRPr lang="en-US" sz="1400" dirty="0">
-              <a:solidFill>
-                <a:schemeClr val="tx1"/>
-              </a:solidFill>
-            </a:endParaRPr>
-          </a:p>
-        </p:txBody>
-      </p:sp>
-      <p:sp>
-        <p:nvSpPr>
-          <p:cNvPr id="14" name="Rectangle 13"/>
-          <p:cNvSpPr/>
-          <p:nvPr/>
-        </p:nvSpPr>
-        <p:spPr>
-          <a:xfrm>
-            <a:off x="1127453" y="3660392"/>
-            <a:ext cx="1152144" cy="1115568"/>
-          </a:xfrm>
-          <a:prstGeom prst="rect">
-            <a:avLst/>
-          </a:prstGeom>
-          <a:solidFill>
-            <a:schemeClr val="bg2"/>
-          </a:solidFill>
-        </p:spPr>
-        <p:style>
-          <a:lnRef idx="2">
-            <a:schemeClr val="accent1">
-              <a:shade val="50000"/>
-            </a:schemeClr>
-          </a:lnRef>
-          <a:fillRef idx="1">
-            <a:schemeClr val="accent1"/>
-          </a:fillRef>
-          <a:effectRef idx="0">
-            <a:schemeClr val="accent1"/>
-          </a:effectRef>
-          <a:fontRef idx="minor">
-            <a:schemeClr val="lt1"/>
-          </a:fontRef>
-        </p:style>
-        <p:txBody>
-          <a:bodyPr rtlCol="0" anchor="ctr"/>
-          <a:lstStyle/>
-          <a:p>
-            <a:pPr algn="ctr"/>
-            <a:r>
-              <a:rPr lang="en-US" sz="1400" dirty="0" smtClean="0">
-                <a:solidFill>
-                  <a:schemeClr val="tx1"/>
-                </a:solidFill>
-              </a:rPr>
-              <a:t>Mobile</a:t>
-            </a:r>
-            <a:endParaRPr lang="en-US" sz="1400" dirty="0">
-              <a:solidFill>
-                <a:schemeClr val="tx1"/>
-              </a:solidFill>
-            </a:endParaRPr>
-          </a:p>
-        </p:txBody>
-      </p:sp>
-      <p:pic>
-        <p:nvPicPr>
-          <p:cNvPr id="16" name="Picture 15"/>
           <p:cNvPicPr>
             <a:picLocks noChangeAspect="1"/>
           </p:cNvPicPr>
@@ -3594,7 +3469,147 @@
         </p:blipFill>
         <p:spPr>
           <a:xfrm>
-            <a:off x="1543708" y="4370114"/>
+            <a:off x="4359888" y="3598921"/>
+            <a:ext cx="325366" cy="364838"/>
+          </a:xfrm>
+          <a:prstGeom prst="rect">
+            <a:avLst/>
+          </a:prstGeom>
+        </p:spPr>
+      </p:pic>
+      <p:sp>
+        <p:nvSpPr>
+          <p:cNvPr id="12" name="Rectangle 11"/>
+          <p:cNvSpPr/>
+          <p:nvPr/>
+        </p:nvSpPr>
+        <p:spPr>
+          <a:xfrm>
+            <a:off x="1896931" y="1980498"/>
+            <a:ext cx="1150246" cy="1113316"/>
+          </a:xfrm>
+          <a:prstGeom prst="rect">
+            <a:avLst/>
+          </a:prstGeom>
+          <a:solidFill>
+            <a:schemeClr val="bg2"/>
+          </a:solidFill>
+        </p:spPr>
+        <p:style>
+          <a:lnRef idx="2">
+            <a:schemeClr val="accent1">
+              <a:shade val="50000"/>
+            </a:schemeClr>
+          </a:lnRef>
+          <a:fillRef idx="1">
+            <a:schemeClr val="accent1"/>
+          </a:fillRef>
+          <a:effectRef idx="0">
+            <a:schemeClr val="accent1"/>
+          </a:effectRef>
+          <a:fontRef idx="minor">
+            <a:schemeClr val="lt1"/>
+          </a:fontRef>
+        </p:style>
+        <p:txBody>
+          <a:bodyPr rtlCol="0" anchor="ctr"/>
+          <a:lstStyle/>
+          <a:p>
+            <a:pPr algn="ctr"/>
+            <a:r>
+              <a:rPr lang="en-US" sz="1400" dirty="0" smtClean="0">
+                <a:solidFill>
+                  <a:schemeClr val="tx1"/>
+                </a:solidFill>
+              </a:rPr>
+              <a:t>Browser</a:t>
+            </a:r>
+            <a:endParaRPr lang="en-US" sz="1400" dirty="0">
+              <a:solidFill>
+                <a:schemeClr val="tx1"/>
+              </a:solidFill>
+            </a:endParaRPr>
+          </a:p>
+        </p:txBody>
+      </p:sp>
+      <p:sp>
+        <p:nvSpPr>
+          <p:cNvPr id="14" name="Rectangle 13"/>
+          <p:cNvSpPr/>
+          <p:nvPr/>
+        </p:nvSpPr>
+        <p:spPr>
+          <a:xfrm>
+            <a:off x="1896931" y="3660392"/>
+            <a:ext cx="1152144" cy="1115568"/>
+          </a:xfrm>
+          <a:prstGeom prst="rect">
+            <a:avLst/>
+          </a:prstGeom>
+          <a:solidFill>
+            <a:schemeClr val="bg2"/>
+          </a:solidFill>
+        </p:spPr>
+        <p:style>
+          <a:lnRef idx="2">
+            <a:schemeClr val="accent1">
+              <a:shade val="50000"/>
+            </a:schemeClr>
+          </a:lnRef>
+          <a:fillRef idx="1">
+            <a:schemeClr val="accent1"/>
+          </a:fillRef>
+          <a:effectRef idx="0">
+            <a:schemeClr val="accent1"/>
+          </a:effectRef>
+          <a:fontRef idx="minor">
+            <a:schemeClr val="lt1"/>
+          </a:fontRef>
+        </p:style>
+        <p:txBody>
+          <a:bodyPr rtlCol="0" anchor="ctr"/>
+          <a:lstStyle/>
+          <a:p>
+            <a:pPr algn="ctr"/>
+            <a:r>
+              <a:rPr lang="en-US" sz="1400" dirty="0" smtClean="0">
+                <a:solidFill>
+                  <a:schemeClr val="tx1"/>
+                </a:solidFill>
+              </a:rPr>
+              <a:t>Mobile</a:t>
+            </a:r>
+            <a:endParaRPr lang="en-US" sz="1400" dirty="0">
+              <a:solidFill>
+                <a:schemeClr val="tx1"/>
+              </a:solidFill>
+            </a:endParaRPr>
+          </a:p>
+        </p:txBody>
+      </p:sp>
+      <p:pic>
+        <p:nvPicPr>
+          <p:cNvPr id="16" name="Picture 15"/>
+          <p:cNvPicPr>
+            <a:picLocks noChangeAspect="1"/>
+          </p:cNvPicPr>
+          <p:nvPr/>
+        </p:nvPicPr>
+        <p:blipFill>
+          <a:blip r:embed="rId4" cstate="print">
+            <a:extLst>
+              <a:ext uri="{28A0092B-C50C-407E-A947-70E740481C1C}">
+                <a14:useLocalDpi xmlns:a14="http://schemas.microsoft.com/office/drawing/2010/main" val="0"/>
+              </a:ext>
+            </a:extLst>
+          </a:blip>
+          <a:stretch>
+            <a:fillRect/>
+          </a:stretch>
+        </p:blipFill>
+        <p:spPr>
+          <a:xfrm>
+            <a:off x="2313186" y="4370114"/>
             <a:ext cx="319634" cy="319634"/>
           </a:xfrm>
           <a:prstGeom prst="rect">
@@ -3613,7 +3628,7 @@
         </p:nvCxnSpPr>
         <p:spPr>
           <a:xfrm flipV="1">
-            <a:off x="2279597" y="3377278"/>
+            <a:off x="3049075" y="3377278"/>
             <a:ext cx="569630" cy="840898"/>
           </a:xfrm>
           <a:prstGeom prst="line">
@@ -3646,7 +3661,7 @@
         </p:nvCxnSpPr>
         <p:spPr>
           <a:xfrm>
-            <a:off x="2277699" y="2537156"/>
+            <a:off x="3047177" y="2537156"/>
             <a:ext cx="571528" cy="840122"/>
           </a:xfrm>
           <a:prstGeom prst="line">
@@ -3679,8 +3694,8 @@
         </p:nvCxnSpPr>
         <p:spPr>
           <a:xfrm flipV="1">
-            <a:off x="5055293" y="827482"/>
-            <a:ext cx="3078613" cy="2549621"/>
+            <a:off x="5824771" y="1662115"/>
+            <a:ext cx="3053395" cy="1714988"/>
           </a:xfrm>
           <a:prstGeom prst="line">
             <a:avLst/>
@@ -3710,7 +3725,7 @@
           <p:nvPr/>
         </p:nvPicPr>
         <p:blipFill>
-          <a:blip r:embed="rId4" cstate="print">
+          <a:blip r:embed="rId5" cstate="print">
             <a:extLst>
               <a:ext uri="{28A0092B-C50C-407E-A947-70E740481C1C}">
                 <a14:useLocalDpi xmlns:a14="http://schemas.microsoft.com/office/drawing/2010/main" val="0"/>
@@ -3723,7 +3738,7 @@
         </p:blipFill>
         <p:spPr>
           <a:xfrm>
-            <a:off x="1551261" y="2665998"/>
+            <a:off x="2320739" y="2665998"/>
             <a:ext cx="302630" cy="325166"/>
           </a:xfrm>
           <a:prstGeom prst="rect">
@@ -3740,7 +3755,7 @@
           <p:nvPr/>
         </p:nvPicPr>
         <p:blipFill>
-          <a:blip r:embed="rId5" cstate="print">
+          <a:blip r:embed="rId6" cstate="print">
             <a:extLst>
               <a:ext uri="{28A0092B-C50C-407E-A947-70E740481C1C}">
                 <a14:useLocalDpi xmlns:a14="http://schemas.microsoft.com/office/drawing/2010/main" val="0"/>
@@ -3865,21 +3880,6 @@
               </a:rPr>
               <a:t>Portfolio</a:t>
             </a:r>
-            <a:endParaRPr lang="pl-PL" sz="1100" b="1" dirty="0" smtClean="0">
-              <a:gradFill>
-                <a:gsLst>
-                  <a:gs pos="0">
-                    <a:srgbClr val="FFFFFF"/>
-                  </a:gs>
-                  <a:gs pos="100000">
-                    <a:srgbClr val="FFFFFF"/>
-                  </a:gs>
-                </a:gsLst>
-                <a:lin ang="5400000" scaled="0"/>
-              </a:gradFill>
-              <a:ea typeface="Segoe UI" pitchFamily="34" charset="0"/>
-              <a:cs typeface="Segoe UI" pitchFamily="34" charset="0"/>
-            </a:endParaRPr>
           </a:p>
           <a:p>
             <a:pPr algn="ctr" defTabSz="932472" fontAlgn="base">
@@ -3996,7 +3996,7 @@
           <p:nvPr/>
         </p:nvPicPr>
         <p:blipFill>
-          <a:blip r:embed="rId5" cstate="print">
+          <a:blip r:embed="rId6" cstate="print">
             <a:extLst>
               <a:ext uri="{28A0092B-C50C-407E-A947-70E740481C1C}">
                 <a14:useLocalDpi xmlns:a14="http://schemas.microsoft.com/office/drawing/2010/main" val="0"/>
@@ -4121,21 +4121,6 @@
               </a:rPr>
               <a:t>Watchlist</a:t>
             </a:r>
-            <a:endParaRPr lang="pl-PL" sz="1100" b="1" dirty="0" smtClean="0">
-              <a:gradFill>
-                <a:gsLst>
-                  <a:gs pos="0">
-                    <a:srgbClr val="FFFFFF"/>
-                  </a:gs>
-                  <a:gs pos="100000">
-                    <a:srgbClr val="FFFFFF"/>
-                  </a:gs>
-                </a:gsLst>
-                <a:lin ang="5400000" scaled="0"/>
-              </a:gradFill>
-              <a:ea typeface="Segoe UI" pitchFamily="34" charset="0"/>
-              <a:cs typeface="Segoe UI" pitchFamily="34" charset="0"/>
-            </a:endParaRPr>
           </a:p>
           <a:p>
             <a:pPr algn="ctr" defTabSz="932472" fontAlgn="base">
@@ -4252,7 +4237,7 @@
           <p:nvPr/>
         </p:nvPicPr>
         <p:blipFill>
-          <a:blip r:embed="rId5" cstate="print">
+          <a:blip r:embed="rId6" cstate="print">
             <a:extLst>
               <a:ext uri="{28A0092B-C50C-407E-A947-70E740481C1C}">
                 <a14:useLocalDpi xmlns:a14="http://schemas.microsoft.com/office/drawing/2010/main" val="0"/>
@@ -4377,21 +4362,6 @@
               </a:rPr>
               <a:t>Identity</a:t>
             </a:r>
-            <a:endParaRPr lang="pl-PL" sz="1100" b="1" dirty="0" smtClean="0">
-              <a:gradFill>
-                <a:gsLst>
-                  <a:gs pos="0">
-                    <a:srgbClr val="FFFFFF"/>
-                  </a:gs>
-                  <a:gs pos="100000">
-                    <a:srgbClr val="FFFFFF"/>
-                  </a:gs>
-                </a:gsLst>
-                <a:lin ang="5400000" scaled="0"/>
-              </a:gradFill>
-              <a:ea typeface="Segoe UI" pitchFamily="34" charset="0"/>
-              <a:cs typeface="Segoe UI" pitchFamily="34" charset="0"/>
-            </a:endParaRPr>
           </a:p>
           <a:p>
             <a:pPr algn="ctr" defTabSz="932472" fontAlgn="base">
@@ -4508,7 +4478,7 @@
           <p:nvPr/>
         </p:nvPicPr>
         <p:blipFill>
-          <a:blip r:embed="rId5" cstate="print">
+          <a:blip r:embed="rId6" cstate="print">
             <a:extLst>
               <a:ext uri="{28A0092B-C50C-407E-A947-70E740481C1C}">
                 <a14:useLocalDpi xmlns:a14="http://schemas.microsoft.com/office/drawing/2010/main" val="0"/>
@@ -4633,21 +4603,6 @@
               </a:rPr>
               <a:t>Email</a:t>
             </a:r>
-            <a:endParaRPr lang="pl-PL" sz="1100" b="1" dirty="0" smtClean="0">
-              <a:gradFill>
-                <a:gsLst>
-                  <a:gs pos="0">
-                    <a:srgbClr val="FFFFFF"/>
-                  </a:gs>
-                  <a:gs pos="100000">
-                    <a:srgbClr val="FFFFFF"/>
-                  </a:gs>
-                </a:gsLst>
-                <a:lin ang="5400000" scaled="0"/>
-              </a:gradFill>
-              <a:ea typeface="Segoe UI" pitchFamily="34" charset="0"/>
-              <a:cs typeface="Segoe UI" pitchFamily="34" charset="0"/>
-            </a:endParaRPr>
           </a:p>
           <a:p>
             <a:pPr algn="ctr" defTabSz="932472" fontAlgn="base">
@@ -4705,7 +4660,7 @@
         </p:nvSpPr>
         <p:spPr>
           <a:xfrm>
-            <a:off x="8133906" y="5750281"/>
+            <a:off x="8896166" y="5187440"/>
             <a:ext cx="758952" cy="566928"/>
           </a:xfrm>
           <a:prstGeom prst="rect">
@@ -4764,7 +4719,7 @@
           <p:nvPr/>
         </p:nvPicPr>
         <p:blipFill>
-          <a:blip r:embed="rId5" cstate="print">
+          <a:blip r:embed="rId6" cstate="print">
             <a:extLst>
               <a:ext uri="{28A0092B-C50C-407E-A947-70E740481C1C}">
                 <a14:useLocalDpi xmlns:a14="http://schemas.microsoft.com/office/drawing/2010/main" val="0"/>
@@ -4796,8 +4751,8 @@
         </p:nvCxnSpPr>
         <p:spPr>
           <a:xfrm flipV="1">
-            <a:off x="5055293" y="1805890"/>
-            <a:ext cx="5028524" cy="1571213"/>
+            <a:off x="5824771" y="1805890"/>
+            <a:ext cx="4259046" cy="1571213"/>
           </a:xfrm>
           <a:prstGeom prst="line">
             <a:avLst/>
@@ -4829,8 +4784,8 @@
         </p:nvCxnSpPr>
         <p:spPr>
           <a:xfrm>
-            <a:off x="5055293" y="3377103"/>
-            <a:ext cx="5028524" cy="56590"/>
+            <a:off x="5824771" y="3377103"/>
+            <a:ext cx="4259046" cy="56590"/>
           </a:xfrm>
           <a:prstGeom prst="line">
             <a:avLst/>
@@ -4862,8 +4817,8 @@
         </p:nvCxnSpPr>
         <p:spPr>
           <a:xfrm>
-            <a:off x="5055293" y="3377103"/>
-            <a:ext cx="5028524" cy="1682321"/>
+            <a:off x="5824771" y="3377103"/>
+            <a:ext cx="4259046" cy="1682321"/>
           </a:xfrm>
           <a:prstGeom prst="line">
             <a:avLst/>
@@ -4895,8 +4850,8 @@
         </p:nvCxnSpPr>
         <p:spPr>
           <a:xfrm>
-            <a:off x="5055293" y="3377103"/>
-            <a:ext cx="3078613" cy="2656642"/>
+            <a:off x="5824771" y="3377103"/>
+            <a:ext cx="3071395" cy="2093801"/>
           </a:xfrm>
           <a:prstGeom prst="line">
             <a:avLst/>
@@ -4926,7 +4881,7 @@
           <p:nvPr/>
         </p:nvPicPr>
         <p:blipFill>
-          <a:blip r:embed="rId5" cstate="print">
+          <a:blip r:embed="rId6" cstate="print">
             <a:extLst>
               <a:ext uri="{28A0092B-C50C-407E-A947-70E740481C1C}">
                 <a14:useLocalDpi xmlns:a14="http://schemas.microsoft.com/office/drawing/2010/main" val="0"/>
@@ -4939,7 +4894,7 @@
         </p:blipFill>
         <p:spPr>
           <a:xfrm>
-            <a:off x="3925947" y="3576991"/>
+            <a:off x="4695425" y="3576991"/>
             <a:ext cx="386768" cy="386768"/>
           </a:xfrm>
           <a:prstGeom prst="rect">
@@ -5051,21 +5006,6 @@
               </a:rPr>
               <a:t>Gamification</a:t>
             </a:r>
-            <a:endParaRPr lang="pl-PL" sz="1100" b="1" dirty="0" smtClean="0">
-              <a:gradFill>
-                <a:gsLst>
-                  <a:gs pos="0">
-                    <a:srgbClr val="FFFFFF"/>
-                  </a:gs>
-                  <a:gs pos="100000">
-                    <a:srgbClr val="FFFFFF"/>
-                  </a:gs>
-                </a:gsLst>
-                <a:lin ang="5400000" scaled="0"/>
-              </a:gradFill>
-              <a:ea typeface="Segoe UI" pitchFamily="34" charset="0"/>
-              <a:cs typeface="Segoe UI" pitchFamily="34" charset="0"/>
-            </a:endParaRPr>
           </a:p>
           <a:p>
             <a:pPr algn="ctr" defTabSz="932472" fontAlgn="base">
@@ -5123,7 +5063,7 @@
         </p:nvSpPr>
         <p:spPr>
           <a:xfrm>
-            <a:off x="5698779" y="5750281"/>
+            <a:off x="6461039" y="5121388"/>
             <a:ext cx="758952" cy="566928"/>
           </a:xfrm>
           <a:prstGeom prst="rect">
@@ -5182,7 +5122,7 @@
           <p:nvPr/>
         </p:nvPicPr>
         <p:blipFill>
-          <a:blip r:embed="rId5" cstate="print">
+          <a:blip r:embed="rId6" cstate="print">
             <a:extLst>
               <a:ext uri="{28A0092B-C50C-407E-A947-70E740481C1C}">
                 <a14:useLocalDpi xmlns:a14="http://schemas.microsoft.com/office/drawing/2010/main" val="0"/>
@@ -5307,21 +5247,6 @@
               </a:rPr>
               <a:t>Companies</a:t>
             </a:r>
-            <a:endParaRPr lang="pl-PL" sz="1100" b="1" dirty="0" smtClean="0">
-              <a:gradFill>
-                <a:gsLst>
-                  <a:gs pos="0">
-                    <a:srgbClr val="FFFFFF"/>
-                  </a:gs>
-                  <a:gs pos="100000">
-                    <a:srgbClr val="FFFFFF"/>
-                  </a:gs>
-                </a:gsLst>
-                <a:lin ang="5400000" scaled="0"/>
-              </a:gradFill>
-              <a:ea typeface="Segoe UI" pitchFamily="34" charset="0"/>
-              <a:cs typeface="Segoe UI" pitchFamily="34" charset="0"/>
-            </a:endParaRPr>
           </a:p>
           <a:p>
             <a:pPr algn="ctr" defTabSz="932472" fontAlgn="base">
@@ -5379,7 +5304,7 @@
         </p:nvSpPr>
         <p:spPr>
           <a:xfrm>
-            <a:off x="5663357" y="544018"/>
+            <a:off x="6450826" y="1369660"/>
             <a:ext cx="758952" cy="566928"/>
           </a:xfrm>
           <a:prstGeom prst="rect">
@@ -5438,7 +5363,7 @@
           <p:nvPr/>
         </p:nvPicPr>
         <p:blipFill>
-          <a:blip r:embed="rId5" cstate="print">
+          <a:blip r:embed="rId6" cstate="print">
             <a:extLst>
               <a:ext uri="{28A0092B-C50C-407E-A947-70E740481C1C}">
                 <a14:useLocalDpi xmlns:a14="http://schemas.microsoft.com/office/drawing/2010/main" val="0"/>
@@ -5464,14 +5389,14 @@
           <p:cNvPr id="19" name="Straight Connector 18"/>
           <p:cNvCxnSpPr>
             <a:stCxn id="57" idx="3"/>
-            <a:endCxn id="36" idx="1"/>
+            <a:endCxn id="36" idx="2"/>
           </p:cNvCxnSpPr>
           <p:nvPr/>
         </p:nvCxnSpPr>
         <p:spPr>
           <a:xfrm flipV="1">
-            <a:off x="5055293" y="827482"/>
-            <a:ext cx="608064" cy="2549621"/>
+            <a:off x="5824771" y="1936588"/>
+            <a:ext cx="1005531" cy="1440515"/>
           </a:xfrm>
           <a:prstGeom prst="line">
             <a:avLst/>
@@ -5497,14 +5422,14 @@
           <p:cNvPr id="23" name="Straight Connector 22"/>
           <p:cNvCxnSpPr>
             <a:stCxn id="57" idx="3"/>
-            <a:endCxn id="33" idx="1"/>
+            <a:endCxn id="33" idx="0"/>
           </p:cNvCxnSpPr>
           <p:nvPr/>
         </p:nvCxnSpPr>
         <p:spPr>
           <a:xfrm>
-            <a:off x="5055293" y="3377103"/>
-            <a:ext cx="643486" cy="2656642"/>
+            <a:off x="5824771" y="3377103"/>
+            <a:ext cx="1015744" cy="1744285"/>
           </a:xfrm>
           <a:prstGeom prst="line">
             <a:avLst/>
@@ -5533,7 +5458,7 @@
         </p:nvSpPr>
         <p:spPr>
           <a:xfrm>
-            <a:off x="4299284" y="3093814"/>
+            <a:off x="5068762" y="3093814"/>
             <a:ext cx="756009" cy="566578"/>
           </a:xfrm>
           <a:prstGeom prst="rect">
@@ -5592,7 +5517,7 @@
           <p:nvPr/>
         </p:nvPicPr>
         <p:blipFill>
-          <a:blip r:embed="rId6" cstate="print">
+          <a:blip r:embed="rId7" cstate="print">
             <a:extLst>
               <a:ext uri="{28A0092B-C50C-407E-A947-70E740481C1C}">
                 <a14:useLocalDpi xmlns:a14="http://schemas.microsoft.com/office/drawing/2010/main" val="0"/>
@@ -5613,6 +5538,43 @@
           </a:prstGeom>
         </p:spPr>
       </p:pic>
+      <p:sp>
+        <p:nvSpPr>
+          <p:cNvPr id="28" name="TextBox 27"/>
+          <p:cNvSpPr txBox="1"/>
+          <p:nvPr/>
+        </p:nvSpPr>
+        <p:spPr>
+          <a:xfrm>
+            <a:off x="7396813" y="3891747"/>
+            <a:ext cx="1474186" cy="646331"/>
+          </a:xfrm>
+          <a:prstGeom prst="rect">
+            <a:avLst/>
+          </a:prstGeom>
+          <a:noFill/>
+        </p:spPr>
+        <p:txBody>
+          <a:bodyPr wrap="none" rtlCol="0">
+            <a:spAutoFit/>
+          </a:bodyPr>
+          <a:lstStyle/>
+          <a:p>
+            <a:r>
+              <a:rPr lang="pl-PL" dirty="0" smtClean="0"/>
+              <a:t>Service Fabric</a:t>
+            </a:r>
+          </a:p>
+          <a:p>
+            <a:pPr algn="ctr"/>
+            <a:r>
+              <a:rPr lang="pl-PL" dirty="0" smtClean="0"/>
+              <a:t>Cluster</a:t>
+            </a:r>
+            <a:endParaRPr lang="en-US" dirty="0"/>
+          </a:p>
+        </p:txBody>
+      </p:sp>
     </p:spTree>
     <p:extLst>
       <p:ext uri="{BB962C8B-B14F-4D97-AF65-F5344CB8AC3E}">

--- a/docs/InvestSystemsOrg.pptx
+++ b/docs/InvestSystemsOrg.pptx
@@ -243,7 +243,7 @@
           <a:p>
             <a:fld id="{4956C5F3-FED6-4EA7-8423-0E71ED8D7A27}" type="datetimeFigureOut">
               <a:rPr lang="en-US" smtClean="0"/>
-              <a:t>8/27/2016</a:t>
+              <a:t>8/28/2016</a:t>
             </a:fld>
             <a:endParaRPr lang="en-US"/>
           </a:p>
@@ -413,7 +413,7 @@
           <a:p>
             <a:fld id="{4956C5F3-FED6-4EA7-8423-0E71ED8D7A27}" type="datetimeFigureOut">
               <a:rPr lang="en-US" smtClean="0"/>
-              <a:t>8/27/2016</a:t>
+              <a:t>8/28/2016</a:t>
             </a:fld>
             <a:endParaRPr lang="en-US"/>
           </a:p>
@@ -593,7 +593,7 @@
           <a:p>
             <a:fld id="{4956C5F3-FED6-4EA7-8423-0E71ED8D7A27}" type="datetimeFigureOut">
               <a:rPr lang="en-US" smtClean="0"/>
-              <a:t>8/27/2016</a:t>
+              <a:t>8/28/2016</a:t>
             </a:fld>
             <a:endParaRPr lang="en-US"/>
           </a:p>
@@ -763,7 +763,7 @@
           <a:p>
             <a:fld id="{4956C5F3-FED6-4EA7-8423-0E71ED8D7A27}" type="datetimeFigureOut">
               <a:rPr lang="en-US" smtClean="0"/>
-              <a:t>8/27/2016</a:t>
+              <a:t>8/28/2016</a:t>
             </a:fld>
             <a:endParaRPr lang="en-US"/>
           </a:p>
@@ -1009,7 +1009,7 @@
           <a:p>
             <a:fld id="{4956C5F3-FED6-4EA7-8423-0E71ED8D7A27}" type="datetimeFigureOut">
               <a:rPr lang="en-US" smtClean="0"/>
-              <a:t>8/27/2016</a:t>
+              <a:t>8/28/2016</a:t>
             </a:fld>
             <a:endParaRPr lang="en-US"/>
           </a:p>
@@ -1241,7 +1241,7 @@
           <a:p>
             <a:fld id="{4956C5F3-FED6-4EA7-8423-0E71ED8D7A27}" type="datetimeFigureOut">
               <a:rPr lang="en-US" smtClean="0"/>
-              <a:t>8/27/2016</a:t>
+              <a:t>8/28/2016</a:t>
             </a:fld>
             <a:endParaRPr lang="en-US"/>
           </a:p>
@@ -1608,7 +1608,7 @@
           <a:p>
             <a:fld id="{4956C5F3-FED6-4EA7-8423-0E71ED8D7A27}" type="datetimeFigureOut">
               <a:rPr lang="en-US" smtClean="0"/>
-              <a:t>8/27/2016</a:t>
+              <a:t>8/28/2016</a:t>
             </a:fld>
             <a:endParaRPr lang="en-US"/>
           </a:p>
@@ -1726,7 +1726,7 @@
           <a:p>
             <a:fld id="{4956C5F3-FED6-4EA7-8423-0E71ED8D7A27}" type="datetimeFigureOut">
               <a:rPr lang="en-US" smtClean="0"/>
-              <a:t>8/27/2016</a:t>
+              <a:t>8/28/2016</a:t>
             </a:fld>
             <a:endParaRPr lang="en-US"/>
           </a:p>
@@ -1821,7 +1821,7 @@
           <a:p>
             <a:fld id="{4956C5F3-FED6-4EA7-8423-0E71ED8D7A27}" type="datetimeFigureOut">
               <a:rPr lang="en-US" smtClean="0"/>
-              <a:t>8/27/2016</a:t>
+              <a:t>8/28/2016</a:t>
             </a:fld>
             <a:endParaRPr lang="en-US"/>
           </a:p>
@@ -2098,7 +2098,7 @@
           <a:p>
             <a:fld id="{4956C5F3-FED6-4EA7-8423-0E71ED8D7A27}" type="datetimeFigureOut">
               <a:rPr lang="en-US" smtClean="0"/>
-              <a:t>8/27/2016</a:t>
+              <a:t>8/28/2016</a:t>
             </a:fld>
             <a:endParaRPr lang="en-US"/>
           </a:p>
@@ -2351,7 +2351,7 @@
           <a:p>
             <a:fld id="{4956C5F3-FED6-4EA7-8423-0E71ED8D7A27}" type="datetimeFigureOut">
               <a:rPr lang="en-US" smtClean="0"/>
-              <a:t>8/27/2016</a:t>
+              <a:t>8/28/2016</a:t>
             </a:fld>
             <a:endParaRPr lang="en-US"/>
           </a:p>
@@ -2564,7 +2564,7 @@
           <a:p>
             <a:fld id="{4956C5F3-FED6-4EA7-8423-0E71ED8D7A27}" type="datetimeFigureOut">
               <a:rPr lang="en-US" smtClean="0"/>
-              <a:t>8/27/2016</a:t>
+              <a:t>8/28/2016</a:t>
             </a:fld>
             <a:endParaRPr lang="en-US"/>
           </a:p>
@@ -3218,7 +3218,7 @@
         </p:nvSpPr>
         <p:spPr bwMode="auto">
           <a:xfrm>
-            <a:off x="3897824" y="2673989"/>
+            <a:off x="3896990" y="2738749"/>
             <a:ext cx="1638032" cy="1387972"/>
           </a:xfrm>
           <a:prstGeom prst="hexagon">
@@ -3404,7 +3404,7 @@
         </p:nvSpPr>
         <p:spPr>
           <a:xfrm>
-            <a:off x="3618705" y="3093814"/>
+            <a:off x="3617871" y="3158574"/>
             <a:ext cx="758952" cy="566928"/>
           </a:xfrm>
           <a:prstGeom prst="rect">
@@ -3469,7 +3469,7 @@
         </p:blipFill>
         <p:spPr>
           <a:xfrm>
-            <a:off x="4359888" y="3598921"/>
+            <a:off x="4359054" y="3663681"/>
             <a:ext cx="325366" cy="364838"/>
           </a:xfrm>
           <a:prstGeom prst="rect">
@@ -3540,8 +3540,8 @@
         </p:nvSpPr>
         <p:spPr>
           <a:xfrm>
-            <a:off x="1896931" y="3660392"/>
-            <a:ext cx="1152144" cy="1115568"/>
+            <a:off x="1700290" y="3641154"/>
+            <a:ext cx="1560141" cy="1115568"/>
           </a:xfrm>
           <a:prstGeom prst="rect">
             <a:avLst/>
@@ -3609,7 +3609,7 @@
         </p:blipFill>
         <p:spPr>
           <a:xfrm>
-            <a:off x="2313186" y="4370114"/>
+            <a:off x="1762639" y="4366630"/>
             <a:ext cx="319634" cy="319634"/>
           </a:xfrm>
           <a:prstGeom prst="rect">
@@ -3628,8 +3628,8 @@
         </p:nvCxnSpPr>
         <p:spPr>
           <a:xfrm flipV="1">
-            <a:off x="3049075" y="3377278"/>
-            <a:ext cx="569630" cy="840898"/>
+            <a:off x="3260431" y="3442038"/>
+            <a:ext cx="357440" cy="756900"/>
           </a:xfrm>
           <a:prstGeom prst="line">
             <a:avLst/>
@@ -3662,7 +3662,7 @@
         <p:spPr>
           <a:xfrm>
             <a:off x="3047177" y="2537156"/>
-            <a:ext cx="571528" cy="840122"/>
+            <a:ext cx="570694" cy="904882"/>
           </a:xfrm>
           <a:prstGeom prst="line">
             <a:avLst/>
@@ -3694,8 +3694,8 @@
         </p:nvCxnSpPr>
         <p:spPr>
           <a:xfrm flipV="1">
-            <a:off x="5824771" y="1662115"/>
-            <a:ext cx="3053395" cy="1714988"/>
+            <a:off x="5823937" y="1662115"/>
+            <a:ext cx="3054229" cy="1779748"/>
           </a:xfrm>
           <a:prstGeom prst="line">
             <a:avLst/>
@@ -4751,8 +4751,8 @@
         </p:nvCxnSpPr>
         <p:spPr>
           <a:xfrm flipV="1">
-            <a:off x="5824771" y="1805890"/>
-            <a:ext cx="4259046" cy="1571213"/>
+            <a:off x="5823937" y="1805890"/>
+            <a:ext cx="4259880" cy="1635973"/>
           </a:xfrm>
           <a:prstGeom prst="line">
             <a:avLst/>
@@ -4783,9 +4783,9 @@
           <p:nvPr/>
         </p:nvCxnSpPr>
         <p:spPr>
-          <a:xfrm>
-            <a:off x="5824771" y="3377103"/>
-            <a:ext cx="4259046" cy="56590"/>
+          <a:xfrm flipV="1">
+            <a:off x="5823937" y="3433693"/>
+            <a:ext cx="4259880" cy="8170"/>
           </a:xfrm>
           <a:prstGeom prst="line">
             <a:avLst/>
@@ -4817,8 +4817,8 @@
         </p:nvCxnSpPr>
         <p:spPr>
           <a:xfrm>
-            <a:off x="5824771" y="3377103"/>
-            <a:ext cx="4259046" cy="1682321"/>
+            <a:off x="5823937" y="3441863"/>
+            <a:ext cx="4259880" cy="1617561"/>
           </a:xfrm>
           <a:prstGeom prst="line">
             <a:avLst/>
@@ -4850,8 +4850,8 @@
         </p:nvCxnSpPr>
         <p:spPr>
           <a:xfrm>
-            <a:off x="5824771" y="3377103"/>
-            <a:ext cx="3071395" cy="2093801"/>
+            <a:off x="5823937" y="3441863"/>
+            <a:ext cx="3072229" cy="2029041"/>
           </a:xfrm>
           <a:prstGeom prst="line">
             <a:avLst/>
@@ -4894,7 +4894,7 @@
         </p:blipFill>
         <p:spPr>
           <a:xfrm>
-            <a:off x="4695425" y="3576991"/>
+            <a:off x="4694591" y="3641751"/>
             <a:ext cx="386768" cy="386768"/>
           </a:xfrm>
           <a:prstGeom prst="rect">
@@ -5395,8 +5395,8 @@
         </p:nvCxnSpPr>
         <p:spPr>
           <a:xfrm flipV="1">
-            <a:off x="5824771" y="1936588"/>
-            <a:ext cx="1005531" cy="1440515"/>
+            <a:off x="5823937" y="1936588"/>
+            <a:ext cx="1006365" cy="1505275"/>
           </a:xfrm>
           <a:prstGeom prst="line">
             <a:avLst/>
@@ -5428,8 +5428,8 @@
         </p:nvCxnSpPr>
         <p:spPr>
           <a:xfrm>
-            <a:off x="5824771" y="3377103"/>
-            <a:ext cx="1015744" cy="1744285"/>
+            <a:off x="5823937" y="3441863"/>
+            <a:ext cx="1016578" cy="1679525"/>
           </a:xfrm>
           <a:prstGeom prst="line">
             <a:avLst/>
@@ -5458,7 +5458,7 @@
         </p:nvSpPr>
         <p:spPr>
           <a:xfrm>
-            <a:off x="5068762" y="3093814"/>
+            <a:off x="5067928" y="3158574"/>
             <a:ext cx="756009" cy="566578"/>
           </a:xfrm>
           <a:prstGeom prst="rect">
@@ -5575,6 +5575,727 @@
           </a:p>
         </p:txBody>
       </p:sp>
+      <p:sp>
+        <p:nvSpPr>
+          <p:cNvPr id="44" name="Hexagon 43"/>
+          <p:cNvSpPr/>
+          <p:nvPr/>
+        </p:nvSpPr>
+        <p:spPr bwMode="auto">
+          <a:xfrm>
+            <a:off x="3888077" y="1110946"/>
+            <a:ext cx="1638032" cy="1387972"/>
+          </a:xfrm>
+          <a:prstGeom prst="hexagon">
+            <a:avLst/>
+          </a:prstGeom>
+          <a:solidFill>
+            <a:schemeClr val="accent2">
+              <a:lumMod val="50000"/>
+            </a:schemeClr>
+          </a:solidFill>
+          <a:ln>
+            <a:noFill/>
+            <a:headEnd type="none" w="med" len="med"/>
+            <a:tailEnd type="none" w="med" len="med"/>
+          </a:ln>
+          <a:effectLst/>
+        </p:spPr>
+        <p:style>
+          <a:lnRef idx="1">
+            <a:schemeClr val="accent2"/>
+          </a:lnRef>
+          <a:fillRef idx="3">
+            <a:schemeClr val="accent2"/>
+          </a:fillRef>
+          <a:effectRef idx="2">
+            <a:schemeClr val="accent2"/>
+          </a:effectRef>
+          <a:fontRef idx="minor">
+            <a:schemeClr val="lt1"/>
+          </a:fontRef>
+        </p:style>
+        <p:txBody>
+          <a:bodyPr rot="0" spcFirstLastPara="0" vertOverflow="overflow" horzOverflow="overflow" vert="horz" wrap="square" lIns="182880" tIns="146304" rIns="182880" bIns="146304" numCol="1" spcCol="0" rtlCol="0" fromWordArt="0" anchor="t" anchorCtr="0" forceAA="0" compatLnSpc="1">
+            <a:prstTxWarp prst="textNoShape">
+              <a:avLst/>
+            </a:prstTxWarp>
+            <a:noAutofit/>
+          </a:bodyPr>
+          <a:lstStyle/>
+          <a:p>
+            <a:pPr algn="ctr" defTabSz="932472" fontAlgn="base">
+              <a:lnSpc>
+                <a:spcPct val="90000"/>
+              </a:lnSpc>
+              <a:spcBef>
+                <a:spcPct val="0"/>
+              </a:spcBef>
+              <a:spcAft>
+                <a:spcPct val="0"/>
+              </a:spcAft>
+            </a:pPr>
+            <a:r>
+              <a:rPr lang="en-US" sz="1100" b="1" dirty="0" smtClean="0">
+                <a:gradFill>
+                  <a:gsLst>
+                    <a:gs pos="0">
+                      <a:srgbClr val="FFFFFF"/>
+                    </a:gs>
+                    <a:gs pos="100000">
+                      <a:srgbClr val="FFFFFF"/>
+                    </a:gs>
+                  </a:gsLst>
+                  <a:lin ang="5400000" scaled="0"/>
+                </a:gradFill>
+                <a:ea typeface="Segoe UI" pitchFamily="34" charset="0"/>
+                <a:cs typeface="Segoe UI" pitchFamily="34" charset="0"/>
+              </a:rPr>
+              <a:t>Web</a:t>
+            </a:r>
+            <a:endParaRPr lang="pl-PL" sz="1100" b="1" dirty="0" smtClean="0">
+              <a:gradFill>
+                <a:gsLst>
+                  <a:gs pos="0">
+                    <a:srgbClr val="FFFFFF"/>
+                  </a:gs>
+                  <a:gs pos="100000">
+                    <a:srgbClr val="FFFFFF"/>
+                  </a:gs>
+                </a:gsLst>
+                <a:lin ang="5400000" scaled="0"/>
+              </a:gradFill>
+              <a:ea typeface="Segoe UI" pitchFamily="34" charset="0"/>
+              <a:cs typeface="Segoe UI" pitchFamily="34" charset="0"/>
+            </a:endParaRPr>
+          </a:p>
+          <a:p>
+            <a:pPr algn="ctr" defTabSz="932472" fontAlgn="base">
+              <a:lnSpc>
+                <a:spcPct val="90000"/>
+              </a:lnSpc>
+              <a:spcBef>
+                <a:spcPct val="0"/>
+              </a:spcBef>
+              <a:spcAft>
+                <a:spcPct val="0"/>
+              </a:spcAft>
+            </a:pPr>
+            <a:r>
+              <a:rPr lang="pl-PL" sz="800" b="1" dirty="0">
+                <a:gradFill>
+                  <a:gsLst>
+                    <a:gs pos="0">
+                      <a:srgbClr val="FFFFFF"/>
+                    </a:gs>
+                    <a:gs pos="100000">
+                      <a:srgbClr val="FFFFFF"/>
+                    </a:gs>
+                  </a:gsLst>
+                  <a:lin ang="5400000" scaled="0"/>
+                </a:gradFill>
+                <a:ea typeface="Segoe UI" pitchFamily="34" charset="0"/>
+                <a:cs typeface="Segoe UI" pitchFamily="34" charset="0"/>
+              </a:rPr>
+              <a:t>Microservice</a:t>
+            </a:r>
+            <a:endParaRPr lang="en-US" sz="800" dirty="0">
+              <a:gradFill>
+                <a:gsLst>
+                  <a:gs pos="0">
+                    <a:srgbClr val="FFFFFF"/>
+                  </a:gs>
+                  <a:gs pos="100000">
+                    <a:srgbClr val="FFFFFF"/>
+                  </a:gs>
+                </a:gsLst>
+                <a:lin ang="5400000" scaled="0"/>
+              </a:gradFill>
+              <a:ea typeface="Segoe UI" pitchFamily="34" charset="0"/>
+              <a:cs typeface="Segoe UI" pitchFamily="34" charset="0"/>
+            </a:endParaRPr>
+          </a:p>
+          <a:p>
+            <a:pPr algn="ctr" defTabSz="932472" fontAlgn="base">
+              <a:lnSpc>
+                <a:spcPct val="90000"/>
+              </a:lnSpc>
+              <a:spcBef>
+                <a:spcPct val="0"/>
+              </a:spcBef>
+              <a:spcAft>
+                <a:spcPct val="0"/>
+              </a:spcAft>
+            </a:pPr>
+            <a:endParaRPr lang="en-US" sz="1100" dirty="0" smtClean="0">
+              <a:gradFill>
+                <a:gsLst>
+                  <a:gs pos="0">
+                    <a:srgbClr val="FFFFFF"/>
+                  </a:gs>
+                  <a:gs pos="100000">
+                    <a:srgbClr val="FFFFFF"/>
+                  </a:gs>
+                </a:gsLst>
+                <a:lin ang="5400000" scaled="0"/>
+              </a:gradFill>
+              <a:ea typeface="Segoe UI" pitchFamily="34" charset="0"/>
+              <a:cs typeface="Segoe UI" pitchFamily="34" charset="0"/>
+            </a:endParaRPr>
+          </a:p>
+        </p:txBody>
+      </p:sp>
+      <p:sp>
+        <p:nvSpPr>
+          <p:cNvPr id="58" name="Rectangle 57"/>
+          <p:cNvSpPr/>
+          <p:nvPr/>
+        </p:nvSpPr>
+        <p:spPr>
+          <a:xfrm>
+            <a:off x="3608958" y="1530771"/>
+            <a:ext cx="758952" cy="566928"/>
+          </a:xfrm>
+          <a:prstGeom prst="rect">
+            <a:avLst/>
+          </a:prstGeom>
+        </p:spPr>
+        <p:style>
+          <a:lnRef idx="2">
+            <a:schemeClr val="accent1">
+              <a:shade val="50000"/>
+            </a:schemeClr>
+          </a:lnRef>
+          <a:fillRef idx="1">
+            <a:schemeClr val="accent1"/>
+          </a:fillRef>
+          <a:effectRef idx="0">
+            <a:schemeClr val="accent1"/>
+          </a:effectRef>
+          <a:fontRef idx="minor">
+            <a:schemeClr val="lt1"/>
+          </a:fontRef>
+        </p:style>
+        <p:txBody>
+          <a:bodyPr rtlCol="0" anchor="ctr"/>
+          <a:lstStyle/>
+          <a:p>
+            <a:pPr algn="ctr"/>
+            <a:r>
+              <a:rPr lang="en-US" sz="900" dirty="0" smtClean="0"/>
+              <a:t>HTTP/2</a:t>
+            </a:r>
+            <a:endParaRPr lang="en-US" sz="900" dirty="0"/>
+          </a:p>
+        </p:txBody>
+      </p:sp>
+      <p:cxnSp>
+        <p:nvCxnSpPr>
+          <p:cNvPr id="3" name="Straight Connector 2"/>
+          <p:cNvCxnSpPr>
+            <a:stCxn id="58" idx="1"/>
+            <a:endCxn id="12" idx="3"/>
+          </p:cNvCxnSpPr>
+          <p:nvPr/>
+        </p:nvCxnSpPr>
+        <p:spPr>
+          <a:xfrm flipH="1">
+            <a:off x="3047177" y="1814235"/>
+            <a:ext cx="561781" cy="722921"/>
+          </a:xfrm>
+          <a:prstGeom prst="line">
+            <a:avLst/>
+          </a:prstGeom>
+        </p:spPr>
+        <p:style>
+          <a:lnRef idx="1">
+            <a:schemeClr val="accent1"/>
+          </a:lnRef>
+          <a:fillRef idx="0">
+            <a:schemeClr val="accent1"/>
+          </a:fillRef>
+          <a:effectRef idx="0">
+            <a:schemeClr val="accent1"/>
+          </a:effectRef>
+          <a:fontRef idx="minor">
+            <a:schemeClr val="tx1"/>
+          </a:fontRef>
+        </p:style>
+      </p:cxnSp>
+      <p:pic>
+        <p:nvPicPr>
+          <p:cNvPr id="38" name="Picture 37"/>
+          <p:cNvPicPr>
+            <a:picLocks noChangeAspect="1"/>
+          </p:cNvPicPr>
+          <p:nvPr/>
+        </p:nvPicPr>
+        <p:blipFill>
+          <a:blip r:embed="rId8" cstate="print">
+            <a:extLst>
+              <a:ext uri="{28A0092B-C50C-407E-A947-70E740481C1C}">
+                <a14:useLocalDpi xmlns:a14="http://schemas.microsoft.com/office/drawing/2010/main" val="0"/>
+              </a:ext>
+            </a:extLst>
+          </a:blip>
+          <a:stretch>
+            <a:fillRect/>
+          </a:stretch>
+        </p:blipFill>
+        <p:spPr>
+          <a:xfrm>
+            <a:off x="4321863" y="2084259"/>
+            <a:ext cx="359182" cy="384048"/>
+          </a:xfrm>
+          <a:prstGeom prst="rect">
+            <a:avLst/>
+          </a:prstGeom>
+        </p:spPr>
+      </p:pic>
+      <p:pic>
+        <p:nvPicPr>
+          <p:cNvPr id="39" name="Picture 38"/>
+          <p:cNvPicPr>
+            <a:picLocks noChangeAspect="1"/>
+          </p:cNvPicPr>
+          <p:nvPr/>
+        </p:nvPicPr>
+        <p:blipFill>
+          <a:blip r:embed="rId9" cstate="print">
+            <a:extLst>
+              <a:ext uri="{28A0092B-C50C-407E-A947-70E740481C1C}">
+                <a14:useLocalDpi xmlns:a14="http://schemas.microsoft.com/office/drawing/2010/main" val="0"/>
+              </a:ext>
+            </a:extLst>
+          </a:blip>
+          <a:stretch>
+            <a:fillRect/>
+          </a:stretch>
+        </p:blipFill>
+        <p:spPr>
+          <a:xfrm>
+            <a:off x="4711835" y="2095224"/>
+            <a:ext cx="348686" cy="384048"/>
+          </a:xfrm>
+          <a:prstGeom prst="rect">
+            <a:avLst/>
+          </a:prstGeom>
+        </p:spPr>
+      </p:pic>
+      <p:sp>
+        <p:nvSpPr>
+          <p:cNvPr id="66" name="Rectangle 65"/>
+          <p:cNvSpPr/>
+          <p:nvPr/>
+        </p:nvSpPr>
+        <p:spPr>
+          <a:xfrm>
+            <a:off x="681957" y="5083116"/>
+            <a:ext cx="1560142" cy="488443"/>
+          </a:xfrm>
+          <a:prstGeom prst="rect">
+            <a:avLst/>
+          </a:prstGeom>
+          <a:solidFill>
+            <a:schemeClr val="bg2"/>
+          </a:solidFill>
+        </p:spPr>
+        <p:style>
+          <a:lnRef idx="2">
+            <a:schemeClr val="accent1">
+              <a:shade val="50000"/>
+            </a:schemeClr>
+          </a:lnRef>
+          <a:fillRef idx="1">
+            <a:schemeClr val="accent1"/>
+          </a:fillRef>
+          <a:effectRef idx="0">
+            <a:schemeClr val="accent1"/>
+          </a:effectRef>
+          <a:fontRef idx="minor">
+            <a:schemeClr val="lt1"/>
+          </a:fontRef>
+        </p:style>
+        <p:txBody>
+          <a:bodyPr rtlCol="0" anchor="ctr"/>
+          <a:lstStyle/>
+          <a:p>
+            <a:pPr algn="ctr"/>
+            <a:r>
+              <a:rPr lang="en-US" sz="1400" dirty="0" smtClean="0">
+                <a:solidFill>
+                  <a:schemeClr val="tx1"/>
+                </a:solidFill>
+              </a:rPr>
+              <a:t>iOS</a:t>
+            </a:r>
+            <a:endParaRPr lang="en-US" sz="1400" dirty="0">
+              <a:solidFill>
+                <a:schemeClr val="tx1"/>
+              </a:solidFill>
+            </a:endParaRPr>
+          </a:p>
+        </p:txBody>
+      </p:sp>
+      <p:pic>
+        <p:nvPicPr>
+          <p:cNvPr id="62" name="Picture 61"/>
+          <p:cNvPicPr>
+            <a:picLocks noChangeAspect="1"/>
+          </p:cNvPicPr>
+          <p:nvPr/>
+        </p:nvPicPr>
+        <p:blipFill>
+          <a:blip r:embed="rId10" cstate="print">
+            <a:extLst>
+              <a:ext uri="{28A0092B-C50C-407E-A947-70E740481C1C}">
+                <a14:useLocalDpi xmlns:a14="http://schemas.microsoft.com/office/drawing/2010/main" val="0"/>
+              </a:ext>
+            </a:extLst>
+          </a:blip>
+          <a:stretch>
+            <a:fillRect/>
+          </a:stretch>
+        </p:blipFill>
+        <p:spPr>
+          <a:xfrm>
+            <a:off x="749544" y="5107685"/>
+            <a:ext cx="309159" cy="384048"/>
+          </a:xfrm>
+          <a:prstGeom prst="rect">
+            <a:avLst/>
+          </a:prstGeom>
+        </p:spPr>
+      </p:pic>
+      <p:sp>
+        <p:nvSpPr>
+          <p:cNvPr id="68" name="Rectangle 67"/>
+          <p:cNvSpPr/>
+          <p:nvPr/>
+        </p:nvSpPr>
+        <p:spPr>
+          <a:xfrm>
+            <a:off x="2718862" y="5077822"/>
+            <a:ext cx="1560143" cy="488443"/>
+          </a:xfrm>
+          <a:prstGeom prst="rect">
+            <a:avLst/>
+          </a:prstGeom>
+          <a:solidFill>
+            <a:schemeClr val="bg2"/>
+          </a:solidFill>
+        </p:spPr>
+        <p:style>
+          <a:lnRef idx="2">
+            <a:schemeClr val="accent1">
+              <a:shade val="50000"/>
+            </a:schemeClr>
+          </a:lnRef>
+          <a:fillRef idx="1">
+            <a:schemeClr val="accent1"/>
+          </a:fillRef>
+          <a:effectRef idx="0">
+            <a:schemeClr val="accent1"/>
+          </a:effectRef>
+          <a:fontRef idx="minor">
+            <a:schemeClr val="lt1"/>
+          </a:fontRef>
+        </p:style>
+        <p:txBody>
+          <a:bodyPr rtlCol="0" anchor="ctr"/>
+          <a:lstStyle/>
+          <a:p>
+            <a:pPr algn="ctr"/>
+            <a:r>
+              <a:rPr lang="en-US" sz="1400" dirty="0" smtClean="0">
+                <a:solidFill>
+                  <a:schemeClr val="tx1"/>
+                </a:solidFill>
+              </a:rPr>
+              <a:t>Android</a:t>
+            </a:r>
+            <a:endParaRPr lang="en-US" sz="1400" dirty="0">
+              <a:solidFill>
+                <a:schemeClr val="tx1"/>
+              </a:solidFill>
+            </a:endParaRPr>
+          </a:p>
+        </p:txBody>
+      </p:sp>
+      <p:sp>
+        <p:nvSpPr>
+          <p:cNvPr id="69" name="Rectangle 68"/>
+          <p:cNvSpPr/>
+          <p:nvPr/>
+        </p:nvSpPr>
+        <p:spPr>
+          <a:xfrm>
+            <a:off x="1700290" y="5649371"/>
+            <a:ext cx="1560143" cy="488443"/>
+          </a:xfrm>
+          <a:prstGeom prst="rect">
+            <a:avLst/>
+          </a:prstGeom>
+          <a:solidFill>
+            <a:schemeClr val="bg2"/>
+          </a:solidFill>
+        </p:spPr>
+        <p:style>
+          <a:lnRef idx="2">
+            <a:schemeClr val="accent1">
+              <a:shade val="50000"/>
+            </a:schemeClr>
+          </a:lnRef>
+          <a:fillRef idx="1">
+            <a:schemeClr val="accent1"/>
+          </a:fillRef>
+          <a:effectRef idx="0">
+            <a:schemeClr val="accent1"/>
+          </a:effectRef>
+          <a:fontRef idx="minor">
+            <a:schemeClr val="lt1"/>
+          </a:fontRef>
+        </p:style>
+        <p:txBody>
+          <a:bodyPr rtlCol="0" anchor="ctr"/>
+          <a:lstStyle/>
+          <a:p>
+            <a:pPr algn="ctr"/>
+            <a:r>
+              <a:rPr lang="en-US" sz="1400" dirty="0" smtClean="0">
+                <a:solidFill>
+                  <a:schemeClr val="tx1"/>
+                </a:solidFill>
+              </a:rPr>
+              <a:t>Windows</a:t>
+            </a:r>
+            <a:endParaRPr lang="en-US" sz="1400" dirty="0">
+              <a:solidFill>
+                <a:schemeClr val="tx1"/>
+              </a:solidFill>
+            </a:endParaRPr>
+          </a:p>
+        </p:txBody>
+      </p:sp>
+      <p:pic>
+        <p:nvPicPr>
+          <p:cNvPr id="64" name="Picture 63"/>
+          <p:cNvPicPr>
+            <a:picLocks noChangeAspect="1"/>
+          </p:cNvPicPr>
+          <p:nvPr/>
+        </p:nvPicPr>
+        <p:blipFill>
+          <a:blip r:embed="rId11" cstate="print">
+            <a:extLst>
+              <a:ext uri="{28A0092B-C50C-407E-A947-70E740481C1C}">
+                <a14:useLocalDpi xmlns:a14="http://schemas.microsoft.com/office/drawing/2010/main" val="0"/>
+              </a:ext>
+            </a:extLst>
+          </a:blip>
+          <a:stretch>
+            <a:fillRect/>
+          </a:stretch>
+        </p:blipFill>
+        <p:spPr>
+          <a:xfrm>
+            <a:off x="2840375" y="4339545"/>
+            <a:ext cx="360358" cy="342894"/>
+          </a:xfrm>
+          <a:prstGeom prst="rect">
+            <a:avLst/>
+          </a:prstGeom>
+        </p:spPr>
+      </p:pic>
+      <p:pic>
+        <p:nvPicPr>
+          <p:cNvPr id="71" name="Picture 70"/>
+          <p:cNvPicPr>
+            <a:picLocks noChangeAspect="1"/>
+          </p:cNvPicPr>
+          <p:nvPr/>
+        </p:nvPicPr>
+        <p:blipFill>
+          <a:blip r:embed="rId12" cstate="print">
+            <a:extLst>
+              <a:ext uri="{28A0092B-C50C-407E-A947-70E740481C1C}">
+                <a14:useLocalDpi xmlns:a14="http://schemas.microsoft.com/office/drawing/2010/main" val="0"/>
+              </a:ext>
+            </a:extLst>
+          </a:blip>
+          <a:stretch>
+            <a:fillRect/>
+          </a:stretch>
+        </p:blipFill>
+        <p:spPr>
+          <a:xfrm>
+            <a:off x="2759195" y="5129516"/>
+            <a:ext cx="327128" cy="384048"/>
+          </a:xfrm>
+          <a:prstGeom prst="rect">
+            <a:avLst/>
+          </a:prstGeom>
+        </p:spPr>
+      </p:pic>
+      <p:pic>
+        <p:nvPicPr>
+          <p:cNvPr id="73" name="Picture 72"/>
+          <p:cNvPicPr>
+            <a:picLocks noChangeAspect="1"/>
+          </p:cNvPicPr>
+          <p:nvPr/>
+        </p:nvPicPr>
+        <p:blipFill>
+          <a:blip r:embed="rId5" cstate="print">
+            <a:extLst>
+              <a:ext uri="{28A0092B-C50C-407E-A947-70E740481C1C}">
+                <a14:useLocalDpi xmlns:a14="http://schemas.microsoft.com/office/drawing/2010/main" val="0"/>
+              </a:ext>
+            </a:extLst>
+          </a:blip>
+          <a:stretch>
+            <a:fillRect/>
+          </a:stretch>
+        </p:blipFill>
+        <p:spPr>
+          <a:xfrm>
+            <a:off x="2325716" y="4375495"/>
+            <a:ext cx="302630" cy="325166"/>
+          </a:xfrm>
+          <a:prstGeom prst="rect">
+            <a:avLst/>
+          </a:prstGeom>
+        </p:spPr>
+      </p:pic>
+      <p:pic>
+        <p:nvPicPr>
+          <p:cNvPr id="72" name="Picture 71"/>
+          <p:cNvPicPr>
+            <a:picLocks noChangeAspect="1"/>
+          </p:cNvPicPr>
+          <p:nvPr/>
+        </p:nvPicPr>
+        <p:blipFill>
+          <a:blip r:embed="rId13" cstate="print">
+            <a:extLst>
+              <a:ext uri="{28A0092B-C50C-407E-A947-70E740481C1C}">
+                <a14:useLocalDpi xmlns:a14="http://schemas.microsoft.com/office/drawing/2010/main" val="0"/>
+              </a:ext>
+            </a:extLst>
+          </a:blip>
+          <a:stretch>
+            <a:fillRect/>
+          </a:stretch>
+        </p:blipFill>
+        <p:spPr>
+          <a:xfrm>
+            <a:off x="1740622" y="5730532"/>
+            <a:ext cx="327128" cy="327128"/>
+          </a:xfrm>
+          <a:prstGeom prst="rect">
+            <a:avLst/>
+          </a:prstGeom>
+        </p:spPr>
+      </p:pic>
+      <p:cxnSp>
+        <p:nvCxnSpPr>
+          <p:cNvPr id="77" name="Straight Connector 76"/>
+          <p:cNvCxnSpPr>
+            <a:stCxn id="14" idx="2"/>
+            <a:endCxn id="66" idx="0"/>
+          </p:cNvCxnSpPr>
+          <p:nvPr/>
+        </p:nvCxnSpPr>
+        <p:spPr>
+          <a:xfrm flipH="1">
+            <a:off x="1462028" y="4756722"/>
+            <a:ext cx="1018333" cy="326394"/>
+          </a:xfrm>
+          <a:prstGeom prst="line">
+            <a:avLst/>
+          </a:prstGeom>
+        </p:spPr>
+        <p:style>
+          <a:lnRef idx="1">
+            <a:schemeClr val="accent1"/>
+          </a:lnRef>
+          <a:fillRef idx="0">
+            <a:schemeClr val="accent1"/>
+          </a:fillRef>
+          <a:effectRef idx="0">
+            <a:schemeClr val="accent1"/>
+          </a:effectRef>
+          <a:fontRef idx="minor">
+            <a:schemeClr val="tx1"/>
+          </a:fontRef>
+        </p:style>
+      </p:cxnSp>
+      <p:cxnSp>
+        <p:nvCxnSpPr>
+          <p:cNvPr id="79" name="Straight Connector 78"/>
+          <p:cNvCxnSpPr>
+            <a:stCxn id="14" idx="2"/>
+            <a:endCxn id="68" idx="0"/>
+          </p:cNvCxnSpPr>
+          <p:nvPr/>
+        </p:nvCxnSpPr>
+        <p:spPr>
+          <a:xfrm>
+            <a:off x="2480361" y="4756722"/>
+            <a:ext cx="1018573" cy="321100"/>
+          </a:xfrm>
+          <a:prstGeom prst="line">
+            <a:avLst/>
+          </a:prstGeom>
+        </p:spPr>
+        <p:style>
+          <a:lnRef idx="1">
+            <a:schemeClr val="accent1"/>
+          </a:lnRef>
+          <a:fillRef idx="0">
+            <a:schemeClr val="accent1"/>
+          </a:fillRef>
+          <a:effectRef idx="0">
+            <a:schemeClr val="accent1"/>
+          </a:effectRef>
+          <a:fontRef idx="minor">
+            <a:schemeClr val="tx1"/>
+          </a:fontRef>
+        </p:style>
+      </p:cxnSp>
+      <p:cxnSp>
+        <p:nvCxnSpPr>
+          <p:cNvPr id="81" name="Straight Connector 80"/>
+          <p:cNvCxnSpPr>
+            <a:stCxn id="14" idx="2"/>
+            <a:endCxn id="69" idx="0"/>
+          </p:cNvCxnSpPr>
+          <p:nvPr/>
+        </p:nvCxnSpPr>
+        <p:spPr>
+          <a:xfrm>
+            <a:off x="2480361" y="4756722"/>
+            <a:ext cx="1" cy="892649"/>
+          </a:xfrm>
+          <a:prstGeom prst="line">
+            <a:avLst/>
+          </a:prstGeom>
+        </p:spPr>
+        <p:style>
+          <a:lnRef idx="1">
+            <a:schemeClr val="accent1"/>
+          </a:lnRef>
+          <a:fillRef idx="0">
+            <a:schemeClr val="accent1"/>
+          </a:fillRef>
+          <a:effectRef idx="0">
+            <a:schemeClr val="accent1"/>
+          </a:effectRef>
+          <a:fontRef idx="minor">
+            <a:schemeClr val="tx1"/>
+          </a:fontRef>
+        </p:style>
+      </p:cxnSp>
     </p:spTree>
     <p:extLst>
       <p:ext uri="{BB962C8B-B14F-4D97-AF65-F5344CB8AC3E}">

--- a/docs/InvestSystemsOrg.pptx
+++ b/docs/InvestSystemsOrg.pptx
@@ -243,7 +243,7 @@
           <a:p>
             <a:fld id="{4956C5F3-FED6-4EA7-8423-0E71ED8D7A27}" type="datetimeFigureOut">
               <a:rPr lang="en-US" smtClean="0"/>
-              <a:t>8/28/2016</a:t>
+              <a:t>9/3/2016</a:t>
             </a:fld>
             <a:endParaRPr lang="en-US"/>
           </a:p>
@@ -413,7 +413,7 @@
           <a:p>
             <a:fld id="{4956C5F3-FED6-4EA7-8423-0E71ED8D7A27}" type="datetimeFigureOut">
               <a:rPr lang="en-US" smtClean="0"/>
-              <a:t>8/28/2016</a:t>
+              <a:t>9/3/2016</a:t>
             </a:fld>
             <a:endParaRPr lang="en-US"/>
           </a:p>
@@ -593,7 +593,7 @@
           <a:p>
             <a:fld id="{4956C5F3-FED6-4EA7-8423-0E71ED8D7A27}" type="datetimeFigureOut">
               <a:rPr lang="en-US" smtClean="0"/>
-              <a:t>8/28/2016</a:t>
+              <a:t>9/3/2016</a:t>
             </a:fld>
             <a:endParaRPr lang="en-US"/>
           </a:p>
@@ -763,7 +763,7 @@
           <a:p>
             <a:fld id="{4956C5F3-FED6-4EA7-8423-0E71ED8D7A27}" type="datetimeFigureOut">
               <a:rPr lang="en-US" smtClean="0"/>
-              <a:t>8/28/2016</a:t>
+              <a:t>9/3/2016</a:t>
             </a:fld>
             <a:endParaRPr lang="en-US"/>
           </a:p>
@@ -1009,7 +1009,7 @@
           <a:p>
             <a:fld id="{4956C5F3-FED6-4EA7-8423-0E71ED8D7A27}" type="datetimeFigureOut">
               <a:rPr lang="en-US" smtClean="0"/>
-              <a:t>8/28/2016</a:t>
+              <a:t>9/3/2016</a:t>
             </a:fld>
             <a:endParaRPr lang="en-US"/>
           </a:p>
@@ -1241,7 +1241,7 @@
           <a:p>
             <a:fld id="{4956C5F3-FED6-4EA7-8423-0E71ED8D7A27}" type="datetimeFigureOut">
               <a:rPr lang="en-US" smtClean="0"/>
-              <a:t>8/28/2016</a:t>
+              <a:t>9/3/2016</a:t>
             </a:fld>
             <a:endParaRPr lang="en-US"/>
           </a:p>
@@ -1608,7 +1608,7 @@
           <a:p>
             <a:fld id="{4956C5F3-FED6-4EA7-8423-0E71ED8D7A27}" type="datetimeFigureOut">
               <a:rPr lang="en-US" smtClean="0"/>
-              <a:t>8/28/2016</a:t>
+              <a:t>9/3/2016</a:t>
             </a:fld>
             <a:endParaRPr lang="en-US"/>
           </a:p>
@@ -1726,7 +1726,7 @@
           <a:p>
             <a:fld id="{4956C5F3-FED6-4EA7-8423-0E71ED8D7A27}" type="datetimeFigureOut">
               <a:rPr lang="en-US" smtClean="0"/>
-              <a:t>8/28/2016</a:t>
+              <a:t>9/3/2016</a:t>
             </a:fld>
             <a:endParaRPr lang="en-US"/>
           </a:p>
@@ -1821,7 +1821,7 @@
           <a:p>
             <a:fld id="{4956C5F3-FED6-4EA7-8423-0E71ED8D7A27}" type="datetimeFigureOut">
               <a:rPr lang="en-US" smtClean="0"/>
-              <a:t>8/28/2016</a:t>
+              <a:t>9/3/2016</a:t>
             </a:fld>
             <a:endParaRPr lang="en-US"/>
           </a:p>
@@ -2098,7 +2098,7 @@
           <a:p>
             <a:fld id="{4956C5F3-FED6-4EA7-8423-0E71ED8D7A27}" type="datetimeFigureOut">
               <a:rPr lang="en-US" smtClean="0"/>
-              <a:t>8/28/2016</a:t>
+              <a:t>9/3/2016</a:t>
             </a:fld>
             <a:endParaRPr lang="en-US"/>
           </a:p>
@@ -2351,7 +2351,7 @@
           <a:p>
             <a:fld id="{4956C5F3-FED6-4EA7-8423-0E71ED8D7A27}" type="datetimeFigureOut">
               <a:rPr lang="en-US" smtClean="0"/>
-              <a:t>8/28/2016</a:t>
+              <a:t>9/3/2016</a:t>
             </a:fld>
             <a:endParaRPr lang="en-US"/>
           </a:p>
@@ -2564,7 +2564,7 @@
           <a:p>
             <a:fld id="{4956C5F3-FED6-4EA7-8423-0E71ED8D7A27}" type="datetimeFigureOut">
               <a:rPr lang="en-US" smtClean="0"/>
-              <a:t>8/28/2016</a:t>
+              <a:t>9/3/2016</a:t>
             </a:fld>
             <a:endParaRPr lang="en-US"/>
           </a:p>
@@ -3007,7 +3007,7 @@
         </p:nvSpPr>
         <p:spPr bwMode="auto">
           <a:xfrm>
-            <a:off x="8447041" y="132538"/>
+            <a:off x="7030572" y="-3632"/>
             <a:ext cx="1636776" cy="1389888"/>
           </a:xfrm>
           <a:prstGeom prst="hexagon">
@@ -3160,7 +3160,7 @@
         </p:nvSpPr>
         <p:spPr>
           <a:xfrm>
-            <a:off x="8878166" y="1378651"/>
+            <a:off x="7461697" y="1242481"/>
             <a:ext cx="758952" cy="566928"/>
           </a:xfrm>
           <a:prstGeom prst="rect">
@@ -3218,7 +3218,7 @@
         </p:nvSpPr>
         <p:spPr bwMode="auto">
           <a:xfrm>
-            <a:off x="3896990" y="2738749"/>
+            <a:off x="3782835" y="3292229"/>
             <a:ext cx="1638032" cy="1387972"/>
           </a:xfrm>
           <a:prstGeom prst="hexagon">
@@ -3404,7 +3404,7 @@
         </p:nvSpPr>
         <p:spPr>
           <a:xfrm>
-            <a:off x="3617871" y="3158574"/>
+            <a:off x="3503716" y="3712054"/>
             <a:ext cx="758952" cy="566928"/>
           </a:xfrm>
           <a:prstGeom prst="rect">
@@ -3469,7 +3469,7 @@
         </p:blipFill>
         <p:spPr>
           <a:xfrm>
-            <a:off x="4359054" y="3663681"/>
+            <a:off x="4244899" y="4217161"/>
             <a:ext cx="325366" cy="364838"/>
           </a:xfrm>
           <a:prstGeom prst="rect">
@@ -3485,7 +3485,7 @@
         </p:nvSpPr>
         <p:spPr>
           <a:xfrm>
-            <a:off x="1896931" y="1980498"/>
+            <a:off x="1782776" y="2533978"/>
             <a:ext cx="1150246" cy="1113316"/>
           </a:xfrm>
           <a:prstGeom prst="rect">
@@ -3540,7 +3540,7 @@
         </p:nvSpPr>
         <p:spPr>
           <a:xfrm>
-            <a:off x="1700290" y="3641154"/>
+            <a:off x="1586135" y="4194634"/>
             <a:ext cx="1560141" cy="1115568"/>
           </a:xfrm>
           <a:prstGeom prst="rect">
@@ -3609,7 +3609,7 @@
         </p:blipFill>
         <p:spPr>
           <a:xfrm>
-            <a:off x="1762639" y="4366630"/>
+            <a:off x="1648484" y="4920110"/>
             <a:ext cx="319634" cy="319634"/>
           </a:xfrm>
           <a:prstGeom prst="rect">
@@ -3628,7 +3628,7 @@
         </p:nvCxnSpPr>
         <p:spPr>
           <a:xfrm flipV="1">
-            <a:off x="3260431" y="3442038"/>
+            <a:off x="3146276" y="3995518"/>
             <a:ext cx="357440" cy="756900"/>
           </a:xfrm>
           <a:prstGeom prst="line">
@@ -3661,7 +3661,7 @@
         </p:nvCxnSpPr>
         <p:spPr>
           <a:xfrm>
-            <a:off x="3047177" y="2537156"/>
+            <a:off x="2933022" y="3090636"/>
             <a:ext cx="570694" cy="904882"/>
           </a:xfrm>
           <a:prstGeom prst="line">
@@ -3694,8 +3694,8 @@
         </p:nvCxnSpPr>
         <p:spPr>
           <a:xfrm flipV="1">
-            <a:off x="5823937" y="1662115"/>
-            <a:ext cx="3054229" cy="1779748"/>
+            <a:off x="5709782" y="1525945"/>
+            <a:ext cx="1751915" cy="2469398"/>
           </a:xfrm>
           <a:prstGeom prst="line">
             <a:avLst/>
@@ -3738,7 +3738,7 @@
         </p:blipFill>
         <p:spPr>
           <a:xfrm>
-            <a:off x="2320739" y="2665998"/>
+            <a:off x="2206584" y="3219478"/>
             <a:ext cx="302630" cy="325166"/>
           </a:xfrm>
           <a:prstGeom prst="rect">
@@ -3768,7 +3768,7 @@
         </p:blipFill>
         <p:spPr>
           <a:xfrm>
-            <a:off x="9072045" y="992710"/>
+            <a:off x="7655576" y="856540"/>
             <a:ext cx="386768" cy="386768"/>
           </a:xfrm>
           <a:prstGeom prst="rect">
@@ -3784,7 +3784,7 @@
         </p:nvSpPr>
         <p:spPr bwMode="auto">
           <a:xfrm>
-            <a:off x="10396952" y="1110946"/>
+            <a:off x="10443875" y="1650706"/>
             <a:ext cx="1636776" cy="1389888"/>
           </a:xfrm>
           <a:prstGeom prst="hexagon">
@@ -3937,7 +3937,7 @@
         </p:nvSpPr>
         <p:spPr>
           <a:xfrm>
-            <a:off x="10083817" y="1522426"/>
+            <a:off x="10130740" y="2062186"/>
             <a:ext cx="758952" cy="566928"/>
           </a:xfrm>
           <a:prstGeom prst="rect">
@@ -4009,7 +4009,7 @@
         </p:blipFill>
         <p:spPr>
           <a:xfrm>
-            <a:off x="11021956" y="1971118"/>
+            <a:off x="11068879" y="2510878"/>
             <a:ext cx="386768" cy="386768"/>
           </a:xfrm>
           <a:prstGeom prst="rect">
@@ -4025,7 +4025,7 @@
         </p:nvSpPr>
         <p:spPr bwMode="auto">
           <a:xfrm>
-            <a:off x="10396952" y="2738749"/>
+            <a:off x="10443875" y="3313349"/>
             <a:ext cx="1636776" cy="1389888"/>
           </a:xfrm>
           <a:prstGeom prst="hexagon">
@@ -4178,7 +4178,7 @@
         </p:nvSpPr>
         <p:spPr>
           <a:xfrm>
-            <a:off x="10083817" y="3150229"/>
+            <a:off x="10130740" y="3724829"/>
             <a:ext cx="758952" cy="566928"/>
           </a:xfrm>
           <a:prstGeom prst="rect">
@@ -4250,7 +4250,7 @@
         </p:blipFill>
         <p:spPr>
           <a:xfrm>
-            <a:off x="11021956" y="3598921"/>
+            <a:off x="11068879" y="4173521"/>
             <a:ext cx="386768" cy="386768"/>
           </a:xfrm>
           <a:prstGeom prst="rect">
@@ -4266,7 +4266,7 @@
         </p:nvSpPr>
         <p:spPr bwMode="auto">
           <a:xfrm>
-            <a:off x="10396952" y="4364480"/>
+            <a:off x="8807099" y="4846704"/>
             <a:ext cx="1636776" cy="1389888"/>
           </a:xfrm>
           <a:prstGeom prst="hexagon">
@@ -4419,7 +4419,7 @@
         </p:nvSpPr>
         <p:spPr>
           <a:xfrm>
-            <a:off x="10083817" y="4775960"/>
+            <a:off x="9219594" y="4603738"/>
             <a:ext cx="758952" cy="566928"/>
           </a:xfrm>
           <a:prstGeom prst="rect">
@@ -4491,7 +4491,7 @@
         </p:blipFill>
         <p:spPr>
           <a:xfrm>
-            <a:off x="11280059" y="5213697"/>
+            <a:off x="9690206" y="5695921"/>
             <a:ext cx="386768" cy="386768"/>
           </a:xfrm>
           <a:prstGeom prst="rect">
@@ -4507,7 +4507,7 @@
         </p:nvSpPr>
         <p:spPr bwMode="auto">
           <a:xfrm>
-            <a:off x="8447041" y="5338801"/>
+            <a:off x="7030572" y="5468112"/>
             <a:ext cx="1636776" cy="1389888"/>
           </a:xfrm>
           <a:prstGeom prst="hexagon">
@@ -4660,7 +4660,7 @@
         </p:nvSpPr>
         <p:spPr>
           <a:xfrm>
-            <a:off x="8896166" y="5187440"/>
+            <a:off x="7479697" y="5316751"/>
             <a:ext cx="758952" cy="566928"/>
           </a:xfrm>
           <a:prstGeom prst="rect">
@@ -4732,7 +4732,7 @@
         </p:blipFill>
         <p:spPr>
           <a:xfrm>
-            <a:off x="9072045" y="6198973"/>
+            <a:off x="7655576" y="6328284"/>
             <a:ext cx="386768" cy="386768"/>
           </a:xfrm>
           <a:prstGeom prst="rect">
@@ -4751,8 +4751,8 @@
         </p:nvCxnSpPr>
         <p:spPr>
           <a:xfrm flipV="1">
-            <a:off x="5823937" y="1805890"/>
-            <a:ext cx="4259880" cy="1635973"/>
+            <a:off x="5709782" y="2345650"/>
+            <a:ext cx="4420958" cy="1649693"/>
           </a:xfrm>
           <a:prstGeom prst="line">
             <a:avLst/>
@@ -4783,9 +4783,9 @@
           <p:nvPr/>
         </p:nvCxnSpPr>
         <p:spPr>
-          <a:xfrm flipV="1">
-            <a:off x="5823937" y="3433693"/>
-            <a:ext cx="4259880" cy="8170"/>
+          <a:xfrm>
+            <a:off x="5709782" y="3995343"/>
+            <a:ext cx="4420958" cy="12950"/>
           </a:xfrm>
           <a:prstGeom prst="line">
             <a:avLst/>
@@ -4817,41 +4817,8 @@
         </p:nvCxnSpPr>
         <p:spPr>
           <a:xfrm>
-            <a:off x="5823937" y="3441863"/>
-            <a:ext cx="4259880" cy="1617561"/>
-          </a:xfrm>
-          <a:prstGeom prst="line">
-            <a:avLst/>
-          </a:prstGeom>
-        </p:spPr>
-        <p:style>
-          <a:lnRef idx="1">
-            <a:schemeClr val="accent1"/>
-          </a:lnRef>
-          <a:fillRef idx="0">
-            <a:schemeClr val="accent1"/>
-          </a:fillRef>
-          <a:effectRef idx="0">
-            <a:schemeClr val="accent1"/>
-          </a:effectRef>
-          <a:fontRef idx="minor">
-            <a:schemeClr val="tx1"/>
-          </a:fontRef>
-        </p:style>
-      </p:cxnSp>
-      <p:cxnSp>
-        <p:nvCxnSpPr>
-          <p:cNvPr id="67" name="Straight Connector 66"/>
-          <p:cNvCxnSpPr>
-            <a:stCxn id="57" idx="3"/>
-            <a:endCxn id="55" idx="1"/>
-          </p:cNvCxnSpPr>
-          <p:nvPr/>
-        </p:nvCxnSpPr>
-        <p:spPr>
-          <a:xfrm>
-            <a:off x="5823937" y="3441863"/>
-            <a:ext cx="3072229" cy="2029041"/>
+            <a:off x="5709782" y="3995343"/>
+            <a:ext cx="3509812" cy="891859"/>
           </a:xfrm>
           <a:prstGeom prst="line">
             <a:avLst/>
@@ -4894,7 +4861,7 @@
         </p:blipFill>
         <p:spPr>
           <a:xfrm>
-            <a:off x="4694591" y="3641751"/>
+            <a:off x="4580436" y="4195231"/>
             <a:ext cx="386768" cy="386768"/>
           </a:xfrm>
           <a:prstGeom prst="rect">
@@ -4910,7 +4877,7 @@
         </p:nvSpPr>
         <p:spPr bwMode="auto">
           <a:xfrm>
-            <a:off x="6011914" y="5338801"/>
+            <a:off x="5300969" y="4831847"/>
             <a:ext cx="1636776" cy="1389888"/>
           </a:xfrm>
           <a:prstGeom prst="hexagon">
@@ -5063,7 +5030,7 @@
         </p:nvSpPr>
         <p:spPr>
           <a:xfrm>
-            <a:off x="6461039" y="5121388"/>
+            <a:off x="5750094" y="4614434"/>
             <a:ext cx="758952" cy="566928"/>
           </a:xfrm>
           <a:prstGeom prst="rect">
@@ -5135,7 +5102,7 @@
         </p:blipFill>
         <p:spPr>
           <a:xfrm>
-            <a:off x="6636918" y="6198973"/>
+            <a:off x="5925973" y="5692019"/>
             <a:ext cx="386768" cy="386768"/>
           </a:xfrm>
           <a:prstGeom prst="rect">
@@ -5151,7 +5118,7 @@
         </p:nvSpPr>
         <p:spPr bwMode="auto">
           <a:xfrm>
-            <a:off x="5976492" y="132538"/>
+            <a:off x="5300969" y="420479"/>
             <a:ext cx="1636776" cy="1389888"/>
           </a:xfrm>
           <a:prstGeom prst="hexagon">
@@ -5304,7 +5271,7 @@
         </p:nvSpPr>
         <p:spPr>
           <a:xfrm>
-            <a:off x="6450826" y="1369660"/>
+            <a:off x="6109144" y="1666131"/>
             <a:ext cx="758952" cy="566928"/>
           </a:xfrm>
           <a:prstGeom prst="rect">
@@ -5376,7 +5343,7 @@
         </p:blipFill>
         <p:spPr>
           <a:xfrm>
-            <a:off x="6601496" y="992710"/>
+            <a:off x="6259814" y="1289181"/>
             <a:ext cx="386768" cy="386768"/>
           </a:xfrm>
           <a:prstGeom prst="rect">
@@ -5395,8 +5362,8 @@
         </p:nvCxnSpPr>
         <p:spPr>
           <a:xfrm flipV="1">
-            <a:off x="5823937" y="1936588"/>
-            <a:ext cx="1006365" cy="1505275"/>
+            <a:off x="5709782" y="2233059"/>
+            <a:ext cx="778838" cy="1762284"/>
           </a:xfrm>
           <a:prstGeom prst="line">
             <a:avLst/>
@@ -5428,8 +5395,8 @@
         </p:nvCxnSpPr>
         <p:spPr>
           <a:xfrm>
-            <a:off x="5823937" y="3441863"/>
-            <a:ext cx="1016578" cy="1679525"/>
+            <a:off x="5709782" y="3995343"/>
+            <a:ext cx="419788" cy="619091"/>
           </a:xfrm>
           <a:prstGeom prst="line">
             <a:avLst/>
@@ -5458,7 +5425,7 @@
         </p:nvSpPr>
         <p:spPr>
           <a:xfrm>
-            <a:off x="5067928" y="3158574"/>
+            <a:off x="4953773" y="3712054"/>
             <a:ext cx="756009" cy="566578"/>
           </a:xfrm>
           <a:prstGeom prst="rect">
@@ -5530,7 +5497,7 @@
         </p:blipFill>
         <p:spPr>
           <a:xfrm>
-            <a:off x="10860816" y="5213697"/>
+            <a:off x="9270963" y="5695921"/>
             <a:ext cx="384048" cy="384048"/>
           </a:xfrm>
           <a:prstGeom prst="rect">
@@ -5583,7 +5550,7 @@
         </p:nvSpPr>
         <p:spPr bwMode="auto">
           <a:xfrm>
-            <a:off x="3888077" y="1110946"/>
+            <a:off x="3773922" y="1664426"/>
             <a:ext cx="1638032" cy="1387972"/>
           </a:xfrm>
           <a:prstGeom prst="hexagon">
@@ -5753,7 +5720,7 @@
         </p:nvSpPr>
         <p:spPr>
           <a:xfrm>
-            <a:off x="3608958" y="1530771"/>
+            <a:off x="3494803" y="2084251"/>
             <a:ext cx="758952" cy="566928"/>
           </a:xfrm>
           <a:prstGeom prst="rect">
@@ -5800,7 +5767,7 @@
         </p:nvCxnSpPr>
         <p:spPr>
           <a:xfrm flipH="1">
-            <a:off x="3047177" y="1814235"/>
+            <a:off x="2933022" y="2367715"/>
             <a:ext cx="561781" cy="722921"/>
           </a:xfrm>
           <a:prstGeom prst="line">
@@ -5844,7 +5811,7 @@
         </p:blipFill>
         <p:spPr>
           <a:xfrm>
-            <a:off x="4321863" y="2084259"/>
+            <a:off x="4207708" y="2637739"/>
             <a:ext cx="359182" cy="384048"/>
           </a:xfrm>
           <a:prstGeom prst="rect">
@@ -5874,7 +5841,7 @@
         </p:blipFill>
         <p:spPr>
           <a:xfrm>
-            <a:off x="4711835" y="2095224"/>
+            <a:off x="4597680" y="2648704"/>
             <a:ext cx="348686" cy="384048"/>
           </a:xfrm>
           <a:prstGeom prst="rect">
@@ -5890,7 +5857,7 @@
         </p:nvSpPr>
         <p:spPr>
           <a:xfrm>
-            <a:off x="681957" y="5083116"/>
+            <a:off x="567802" y="5636596"/>
             <a:ext cx="1560142" cy="488443"/>
           </a:xfrm>
           <a:prstGeom prst="rect">
@@ -5959,7 +5926,7 @@
         </p:blipFill>
         <p:spPr>
           <a:xfrm>
-            <a:off x="749544" y="5107685"/>
+            <a:off x="635389" y="5661165"/>
             <a:ext cx="309159" cy="384048"/>
           </a:xfrm>
           <a:prstGeom prst="rect">
@@ -5975,7 +5942,7 @@
         </p:nvSpPr>
         <p:spPr>
           <a:xfrm>
-            <a:off x="2718862" y="5077822"/>
+            <a:off x="2604707" y="5631302"/>
             <a:ext cx="1560143" cy="488443"/>
           </a:xfrm>
           <a:prstGeom prst="rect">
@@ -6030,7 +5997,7 @@
         </p:nvSpPr>
         <p:spPr>
           <a:xfrm>
-            <a:off x="1700290" y="5649371"/>
+            <a:off x="1586135" y="6202851"/>
             <a:ext cx="1560143" cy="488443"/>
           </a:xfrm>
           <a:prstGeom prst="rect">
@@ -6099,7 +6066,7 @@
         </p:blipFill>
         <p:spPr>
           <a:xfrm>
-            <a:off x="2840375" y="4339545"/>
+            <a:off x="2726220" y="4893025"/>
             <a:ext cx="360358" cy="342894"/>
           </a:xfrm>
           <a:prstGeom prst="rect">
@@ -6129,7 +6096,7 @@
         </p:blipFill>
         <p:spPr>
           <a:xfrm>
-            <a:off x="2759195" y="5129516"/>
+            <a:off x="2645040" y="5682996"/>
             <a:ext cx="327128" cy="384048"/>
           </a:xfrm>
           <a:prstGeom prst="rect">
@@ -6159,7 +6126,7 @@
         </p:blipFill>
         <p:spPr>
           <a:xfrm>
-            <a:off x="2325716" y="4375495"/>
+            <a:off x="2211561" y="4928975"/>
             <a:ext cx="302630" cy="325166"/>
           </a:xfrm>
           <a:prstGeom prst="rect">
@@ -6189,7 +6156,7 @@
         </p:blipFill>
         <p:spPr>
           <a:xfrm>
-            <a:off x="1740622" y="5730532"/>
+            <a:off x="1626467" y="6284012"/>
             <a:ext cx="327128" cy="327128"/>
           </a:xfrm>
           <a:prstGeom prst="rect">
@@ -6208,7 +6175,7 @@
         </p:nvCxnSpPr>
         <p:spPr>
           <a:xfrm flipH="1">
-            <a:off x="1462028" y="4756722"/>
+            <a:off x="1347873" y="5310202"/>
             <a:ext cx="1018333" cy="326394"/>
           </a:xfrm>
           <a:prstGeom prst="line">
@@ -6241,7 +6208,7 @@
         </p:nvCxnSpPr>
         <p:spPr>
           <a:xfrm>
-            <a:off x="2480361" y="4756722"/>
+            <a:off x="2366206" y="5310202"/>
             <a:ext cx="1018573" cy="321100"/>
           </a:xfrm>
           <a:prstGeom prst="line">
@@ -6274,8 +6241,302 @@
         </p:nvCxnSpPr>
         <p:spPr>
           <a:xfrm>
-            <a:off x="2480361" y="4756722"/>
+            <a:off x="2366206" y="5310202"/>
             <a:ext cx="1" cy="892649"/>
+          </a:xfrm>
+          <a:prstGeom prst="line">
+            <a:avLst/>
+          </a:prstGeom>
+        </p:spPr>
+        <p:style>
+          <a:lnRef idx="1">
+            <a:schemeClr val="accent1"/>
+          </a:lnRef>
+          <a:fillRef idx="0">
+            <a:schemeClr val="accent1"/>
+          </a:fillRef>
+          <a:effectRef idx="0">
+            <a:schemeClr val="accent1"/>
+          </a:effectRef>
+          <a:fontRef idx="minor">
+            <a:schemeClr val="tx1"/>
+          </a:fontRef>
+        </p:style>
+      </p:cxnSp>
+      <p:sp>
+        <p:nvSpPr>
+          <p:cNvPr id="60" name="Hexagon 59"/>
+          <p:cNvSpPr/>
+          <p:nvPr/>
+        </p:nvSpPr>
+        <p:spPr bwMode="auto">
+          <a:xfrm>
+            <a:off x="8788400" y="417486"/>
+            <a:ext cx="1636776" cy="1389888"/>
+          </a:xfrm>
+          <a:prstGeom prst="hexagon">
+            <a:avLst/>
+          </a:prstGeom>
+          <a:solidFill>
+            <a:schemeClr val="accent5"/>
+          </a:solidFill>
+          <a:ln>
+            <a:noFill/>
+            <a:headEnd type="none" w="med" len="med"/>
+            <a:tailEnd type="none" w="med" len="med"/>
+          </a:ln>
+          <a:effectLst/>
+        </p:spPr>
+        <p:style>
+          <a:lnRef idx="1">
+            <a:schemeClr val="accent2"/>
+          </a:lnRef>
+          <a:fillRef idx="3">
+            <a:schemeClr val="accent2"/>
+          </a:fillRef>
+          <a:effectRef idx="2">
+            <a:schemeClr val="accent2"/>
+          </a:effectRef>
+          <a:fontRef idx="minor">
+            <a:schemeClr val="lt1"/>
+          </a:fontRef>
+        </p:style>
+        <p:txBody>
+          <a:bodyPr rot="0" spcFirstLastPara="0" vertOverflow="overflow" horzOverflow="overflow" vert="horz" wrap="square" lIns="182880" tIns="146304" rIns="182880" bIns="146304" numCol="1" spcCol="0" rtlCol="0" fromWordArt="0" anchor="t" anchorCtr="0" forceAA="0" compatLnSpc="1">
+            <a:prstTxWarp prst="textNoShape">
+              <a:avLst/>
+            </a:prstTxWarp>
+            <a:noAutofit/>
+          </a:bodyPr>
+          <a:lstStyle/>
+          <a:p>
+            <a:pPr algn="ctr" defTabSz="932472" fontAlgn="base">
+              <a:lnSpc>
+                <a:spcPct val="90000"/>
+              </a:lnSpc>
+              <a:spcBef>
+                <a:spcPct val="0"/>
+              </a:spcBef>
+              <a:spcAft>
+                <a:spcPct val="0"/>
+              </a:spcAft>
+            </a:pPr>
+            <a:r>
+              <a:rPr lang="en-US" sz="1100" b="1" dirty="0" smtClean="0">
+                <a:gradFill>
+                  <a:gsLst>
+                    <a:gs pos="0">
+                      <a:srgbClr val="FFFFFF"/>
+                    </a:gs>
+                    <a:gs pos="100000">
+                      <a:srgbClr val="FFFFFF"/>
+                    </a:gs>
+                  </a:gsLst>
+                  <a:lin ang="5400000" scaled="0"/>
+                </a:gradFill>
+                <a:ea typeface="Segoe UI" pitchFamily="34" charset="0"/>
+                <a:cs typeface="Segoe UI" pitchFamily="34" charset="0"/>
+              </a:rPr>
+              <a:t>Stock Quotes</a:t>
+            </a:r>
+            <a:endParaRPr lang="pl-PL" sz="1100" b="1" dirty="0" smtClean="0">
+              <a:gradFill>
+                <a:gsLst>
+                  <a:gs pos="0">
+                    <a:srgbClr val="FFFFFF"/>
+                  </a:gs>
+                  <a:gs pos="100000">
+                    <a:srgbClr val="FFFFFF"/>
+                  </a:gs>
+                </a:gsLst>
+                <a:lin ang="5400000" scaled="0"/>
+              </a:gradFill>
+              <a:ea typeface="Segoe UI" pitchFamily="34" charset="0"/>
+              <a:cs typeface="Segoe UI" pitchFamily="34" charset="0"/>
+            </a:endParaRPr>
+          </a:p>
+          <a:p>
+            <a:pPr algn="ctr" defTabSz="932472" fontAlgn="base">
+              <a:lnSpc>
+                <a:spcPct val="90000"/>
+              </a:lnSpc>
+              <a:spcBef>
+                <a:spcPct val="0"/>
+              </a:spcBef>
+              <a:spcAft>
+                <a:spcPct val="0"/>
+              </a:spcAft>
+            </a:pPr>
+            <a:r>
+              <a:rPr lang="pl-PL" sz="800" b="1" dirty="0" smtClean="0">
+                <a:gradFill>
+                  <a:gsLst>
+                    <a:gs pos="0">
+                      <a:srgbClr val="FFFFFF"/>
+                    </a:gs>
+                    <a:gs pos="100000">
+                      <a:srgbClr val="FFFFFF"/>
+                    </a:gs>
+                  </a:gsLst>
+                  <a:lin ang="5400000" scaled="0"/>
+                </a:gradFill>
+                <a:ea typeface="Segoe UI" pitchFamily="34" charset="0"/>
+                <a:cs typeface="Segoe UI" pitchFamily="34" charset="0"/>
+              </a:rPr>
+              <a:t>Microservice</a:t>
+            </a:r>
+            <a:endParaRPr lang="en-US" sz="800" dirty="0" smtClean="0">
+              <a:gradFill>
+                <a:gsLst>
+                  <a:gs pos="0">
+                    <a:srgbClr val="FFFFFF"/>
+                  </a:gs>
+                  <a:gs pos="100000">
+                    <a:srgbClr val="FFFFFF"/>
+                  </a:gs>
+                </a:gsLst>
+                <a:lin ang="5400000" scaled="0"/>
+              </a:gradFill>
+              <a:ea typeface="Segoe UI" pitchFamily="34" charset="0"/>
+              <a:cs typeface="Segoe UI" pitchFamily="34" charset="0"/>
+            </a:endParaRPr>
+          </a:p>
+        </p:txBody>
+      </p:sp>
+      <p:sp>
+        <p:nvSpPr>
+          <p:cNvPr id="70" name="Rectangle 69"/>
+          <p:cNvSpPr/>
+          <p:nvPr/>
+        </p:nvSpPr>
+        <p:spPr>
+          <a:xfrm>
+            <a:off x="9203318" y="1642477"/>
+            <a:ext cx="758952" cy="566928"/>
+          </a:xfrm>
+          <a:prstGeom prst="rect">
+            <a:avLst/>
+          </a:prstGeom>
+        </p:spPr>
+        <p:style>
+          <a:lnRef idx="2">
+            <a:schemeClr val="accent1">
+              <a:shade val="50000"/>
+            </a:schemeClr>
+          </a:lnRef>
+          <a:fillRef idx="1">
+            <a:schemeClr val="accent1"/>
+          </a:fillRef>
+          <a:effectRef idx="0">
+            <a:schemeClr val="accent1"/>
+          </a:effectRef>
+          <a:fontRef idx="minor">
+            <a:schemeClr val="lt1"/>
+          </a:fontRef>
+        </p:style>
+        <p:txBody>
+          <a:bodyPr rtlCol="0" anchor="ctr"/>
+          <a:lstStyle/>
+          <a:p>
+            <a:pPr algn="ctr"/>
+            <a:r>
+              <a:rPr lang="pl-PL" sz="900" dirty="0"/>
+              <a:t>REST</a:t>
+            </a:r>
+          </a:p>
+          <a:p>
+            <a:pPr algn="ctr"/>
+            <a:r>
+              <a:rPr lang="pl-PL" sz="900" dirty="0"/>
+              <a:t>AMQP</a:t>
+            </a:r>
+          </a:p>
+          <a:p>
+            <a:pPr algn="ctr"/>
+            <a:r>
+              <a:rPr lang="pl-PL" sz="900" dirty="0"/>
+              <a:t>WebSockets</a:t>
+            </a:r>
+            <a:endParaRPr lang="en-US" sz="900" dirty="0"/>
+          </a:p>
+        </p:txBody>
+      </p:sp>
+      <p:pic>
+        <p:nvPicPr>
+          <p:cNvPr id="74" name="Picture 73"/>
+          <p:cNvPicPr>
+            <a:picLocks noChangeAspect="1"/>
+          </p:cNvPicPr>
+          <p:nvPr/>
+        </p:nvPicPr>
+        <p:blipFill>
+          <a:blip r:embed="rId6" cstate="print">
+            <a:extLst>
+              <a:ext uri="{28A0092B-C50C-407E-A947-70E740481C1C}">
+                <a14:useLocalDpi xmlns:a14="http://schemas.microsoft.com/office/drawing/2010/main" val="0"/>
+              </a:ext>
+            </a:extLst>
+          </a:blip>
+          <a:stretch>
+            <a:fillRect/>
+          </a:stretch>
+        </p:blipFill>
+        <p:spPr>
+          <a:xfrm>
+            <a:off x="9413404" y="1277658"/>
+            <a:ext cx="386768" cy="386768"/>
+          </a:xfrm>
+          <a:prstGeom prst="rect">
+            <a:avLst/>
+          </a:prstGeom>
+        </p:spPr>
+      </p:pic>
+      <p:cxnSp>
+        <p:nvCxnSpPr>
+          <p:cNvPr id="25" name="Straight Connector 24"/>
+          <p:cNvCxnSpPr>
+            <a:stCxn id="70" idx="2"/>
+            <a:endCxn id="57" idx="3"/>
+          </p:cNvCxnSpPr>
+          <p:nvPr/>
+        </p:nvCxnSpPr>
+        <p:spPr>
+          <a:xfrm flipH="1">
+            <a:off x="5709782" y="2209405"/>
+            <a:ext cx="3873012" cy="1785938"/>
+          </a:xfrm>
+          <a:prstGeom prst="line">
+            <a:avLst/>
+          </a:prstGeom>
+        </p:spPr>
+        <p:style>
+          <a:lnRef idx="1">
+            <a:schemeClr val="accent1"/>
+          </a:lnRef>
+          <a:fillRef idx="0">
+            <a:schemeClr val="accent1"/>
+          </a:fillRef>
+          <a:effectRef idx="0">
+            <a:schemeClr val="accent1"/>
+          </a:effectRef>
+          <a:fontRef idx="minor">
+            <a:schemeClr val="tx1"/>
+          </a:fontRef>
+        </p:style>
+      </p:cxnSp>
+      <p:cxnSp>
+        <p:nvCxnSpPr>
+          <p:cNvPr id="93" name="Straight Connector 92"/>
+          <p:cNvCxnSpPr>
+            <a:stCxn id="55" idx="0"/>
+            <a:endCxn id="57" idx="3"/>
+          </p:cNvCxnSpPr>
+          <p:nvPr/>
+        </p:nvCxnSpPr>
+        <p:spPr>
+          <a:xfrm flipH="1" flipV="1">
+            <a:off x="5709782" y="3995343"/>
+            <a:ext cx="2149391" cy="1321408"/>
           </a:xfrm>
           <a:prstGeom prst="line">
             <a:avLst/>

--- a/docs/InvestSystemsOrg.pptx
+++ b/docs/InvestSystemsOrg.pptx
@@ -243,7 +243,7 @@
           <a:p>
             <a:fld id="{4956C5F3-FED6-4EA7-8423-0E71ED8D7A27}" type="datetimeFigureOut">
               <a:rPr lang="en-US" smtClean="0"/>
-              <a:t>9/3/2016</a:t>
+              <a:t>9/4/2016</a:t>
             </a:fld>
             <a:endParaRPr lang="en-US"/>
           </a:p>
@@ -413,7 +413,7 @@
           <a:p>
             <a:fld id="{4956C5F3-FED6-4EA7-8423-0E71ED8D7A27}" type="datetimeFigureOut">
               <a:rPr lang="en-US" smtClean="0"/>
-              <a:t>9/3/2016</a:t>
+              <a:t>9/4/2016</a:t>
             </a:fld>
             <a:endParaRPr lang="en-US"/>
           </a:p>
@@ -593,7 +593,7 @@
           <a:p>
             <a:fld id="{4956C5F3-FED6-4EA7-8423-0E71ED8D7A27}" type="datetimeFigureOut">
               <a:rPr lang="en-US" smtClean="0"/>
-              <a:t>9/3/2016</a:t>
+              <a:t>9/4/2016</a:t>
             </a:fld>
             <a:endParaRPr lang="en-US"/>
           </a:p>
@@ -763,7 +763,7 @@
           <a:p>
             <a:fld id="{4956C5F3-FED6-4EA7-8423-0E71ED8D7A27}" type="datetimeFigureOut">
               <a:rPr lang="en-US" smtClean="0"/>
-              <a:t>9/3/2016</a:t>
+              <a:t>9/4/2016</a:t>
             </a:fld>
             <a:endParaRPr lang="en-US"/>
           </a:p>
@@ -1009,7 +1009,7 @@
           <a:p>
             <a:fld id="{4956C5F3-FED6-4EA7-8423-0E71ED8D7A27}" type="datetimeFigureOut">
               <a:rPr lang="en-US" smtClean="0"/>
-              <a:t>9/3/2016</a:t>
+              <a:t>9/4/2016</a:t>
             </a:fld>
             <a:endParaRPr lang="en-US"/>
           </a:p>
@@ -1241,7 +1241,7 @@
           <a:p>
             <a:fld id="{4956C5F3-FED6-4EA7-8423-0E71ED8D7A27}" type="datetimeFigureOut">
               <a:rPr lang="en-US" smtClean="0"/>
-              <a:t>9/3/2016</a:t>
+              <a:t>9/4/2016</a:t>
             </a:fld>
             <a:endParaRPr lang="en-US"/>
           </a:p>
@@ -1608,7 +1608,7 @@
           <a:p>
             <a:fld id="{4956C5F3-FED6-4EA7-8423-0E71ED8D7A27}" type="datetimeFigureOut">
               <a:rPr lang="en-US" smtClean="0"/>
-              <a:t>9/3/2016</a:t>
+              <a:t>9/4/2016</a:t>
             </a:fld>
             <a:endParaRPr lang="en-US"/>
           </a:p>
@@ -1726,7 +1726,7 @@
           <a:p>
             <a:fld id="{4956C5F3-FED6-4EA7-8423-0E71ED8D7A27}" type="datetimeFigureOut">
               <a:rPr lang="en-US" smtClean="0"/>
-              <a:t>9/3/2016</a:t>
+              <a:t>9/4/2016</a:t>
             </a:fld>
             <a:endParaRPr lang="en-US"/>
           </a:p>
@@ -1821,7 +1821,7 @@
           <a:p>
             <a:fld id="{4956C5F3-FED6-4EA7-8423-0E71ED8D7A27}" type="datetimeFigureOut">
               <a:rPr lang="en-US" smtClean="0"/>
-              <a:t>9/3/2016</a:t>
+              <a:t>9/4/2016</a:t>
             </a:fld>
             <a:endParaRPr lang="en-US"/>
           </a:p>
@@ -2098,7 +2098,7 @@
           <a:p>
             <a:fld id="{4956C5F3-FED6-4EA7-8423-0E71ED8D7A27}" type="datetimeFigureOut">
               <a:rPr lang="en-US" smtClean="0"/>
-              <a:t>9/3/2016</a:t>
+              <a:t>9/4/2016</a:t>
             </a:fld>
             <a:endParaRPr lang="en-US"/>
           </a:p>
@@ -2351,7 +2351,7 @@
           <a:p>
             <a:fld id="{4956C5F3-FED6-4EA7-8423-0E71ED8D7A27}" type="datetimeFigureOut">
               <a:rPr lang="en-US" smtClean="0"/>
-              <a:t>9/3/2016</a:t>
+              <a:t>9/4/2016</a:t>
             </a:fld>
             <a:endParaRPr lang="en-US"/>
           </a:p>
@@ -2564,7 +2564,7 @@
           <a:p>
             <a:fld id="{4956C5F3-FED6-4EA7-8423-0E71ED8D7A27}" type="datetimeFigureOut">
               <a:rPr lang="en-US" smtClean="0"/>
-              <a:t>9/3/2016</a:t>
+              <a:t>9/4/2016</a:t>
             </a:fld>
             <a:endParaRPr lang="en-US"/>
           </a:p>
@@ -3880,6 +3880,39 @@
               </a:rPr>
               <a:t>Portfolio</a:t>
             </a:r>
+            <a:r>
+              <a:rPr lang="en-US" sz="1100" b="1" dirty="0" smtClean="0">
+                <a:gradFill>
+                  <a:gsLst>
+                    <a:gs pos="0">
+                      <a:srgbClr val="FFFFFF"/>
+                    </a:gs>
+                    <a:gs pos="100000">
+                      <a:srgbClr val="FFFFFF"/>
+                    </a:gs>
+                  </a:gsLst>
+                  <a:lin ang="5400000" scaled="0"/>
+                </a:gradFill>
+                <a:ea typeface="Segoe UI" pitchFamily="34" charset="0"/>
+                <a:cs typeface="Segoe UI" pitchFamily="34" charset="0"/>
+              </a:rPr>
+              <a:t>s</a:t>
+            </a:r>
+            <a:endParaRPr lang="pl-PL" sz="1100" b="1" dirty="0" smtClean="0">
+              <a:gradFill>
+                <a:gsLst>
+                  <a:gs pos="0">
+                    <a:srgbClr val="FFFFFF"/>
+                  </a:gs>
+                  <a:gs pos="100000">
+                    <a:srgbClr val="FFFFFF"/>
+                  </a:gs>
+                </a:gsLst>
+                <a:lin ang="5400000" scaled="0"/>
+              </a:gradFill>
+              <a:ea typeface="Segoe UI" pitchFamily="34" charset="0"/>
+              <a:cs typeface="Segoe UI" pitchFamily="34" charset="0"/>
+            </a:endParaRPr>
           </a:p>
           <a:p>
             <a:pPr algn="ctr" defTabSz="932472" fontAlgn="base">
@@ -4121,6 +4154,39 @@
               </a:rPr>
               <a:t>Watchlist</a:t>
             </a:r>
+            <a:r>
+              <a:rPr lang="en-US" sz="1100" b="1" dirty="0" smtClean="0">
+                <a:gradFill>
+                  <a:gsLst>
+                    <a:gs pos="0">
+                      <a:srgbClr val="FFFFFF"/>
+                    </a:gs>
+                    <a:gs pos="100000">
+                      <a:srgbClr val="FFFFFF"/>
+                    </a:gs>
+                  </a:gsLst>
+                  <a:lin ang="5400000" scaled="0"/>
+                </a:gradFill>
+                <a:ea typeface="Segoe UI" pitchFamily="34" charset="0"/>
+                <a:cs typeface="Segoe UI" pitchFamily="34" charset="0"/>
+              </a:rPr>
+              <a:t>s</a:t>
+            </a:r>
+            <a:endParaRPr lang="pl-PL" sz="1100" b="1" dirty="0" smtClean="0">
+              <a:gradFill>
+                <a:gsLst>
+                  <a:gs pos="0">
+                    <a:srgbClr val="FFFFFF"/>
+                  </a:gs>
+                  <a:gs pos="100000">
+                    <a:srgbClr val="FFFFFF"/>
+                  </a:gs>
+                </a:gsLst>
+                <a:lin ang="5400000" scaled="0"/>
+              </a:gradFill>
+              <a:ea typeface="Segoe UI" pitchFamily="34" charset="0"/>
+              <a:cs typeface="Segoe UI" pitchFamily="34" charset="0"/>
+            </a:endParaRPr>
           </a:p>
           <a:p>
             <a:pPr algn="ctr" defTabSz="932472" fontAlgn="base">
